--- a/fsharp-csharp interop.pptx
+++ b/fsharp-csharp interop.pptx
@@ -5,7 +5,7 @@
     <p:sldMasterId id="2147483650" r:id="rId1"/>
   </p:sldMasterIdLst>
   <p:notesMasterIdLst>
-    <p:notesMasterId r:id="rId38"/>
+    <p:notesMasterId r:id="rId34"/>
   </p:notesMasterIdLst>
   <p:sldIdLst>
     <p:sldId id="287" r:id="rId2"/>
@@ -17,33 +17,29 @@
     <p:sldId id="271" r:id="rId8"/>
     <p:sldId id="270" r:id="rId9"/>
     <p:sldId id="272" r:id="rId10"/>
-    <p:sldId id="273" r:id="rId11"/>
-    <p:sldId id="274" r:id="rId12"/>
-    <p:sldId id="258" r:id="rId13"/>
-    <p:sldId id="259" r:id="rId14"/>
-    <p:sldId id="275" r:id="rId15"/>
-    <p:sldId id="276" r:id="rId16"/>
-    <p:sldId id="260" r:id="rId17"/>
-    <p:sldId id="277" r:id="rId18"/>
-    <p:sldId id="261" r:id="rId19"/>
-    <p:sldId id="262" r:id="rId20"/>
-    <p:sldId id="263" r:id="rId21"/>
-    <p:sldId id="264" r:id="rId22"/>
-    <p:sldId id="266" r:id="rId23"/>
-    <p:sldId id="278" r:id="rId24"/>
-    <p:sldId id="279" r:id="rId25"/>
-    <p:sldId id="265" r:id="rId26"/>
-    <p:sldId id="267" r:id="rId27"/>
-    <p:sldId id="268" r:id="rId28"/>
-    <p:sldId id="280" r:id="rId29"/>
-    <p:sldId id="291" r:id="rId30"/>
-    <p:sldId id="292" r:id="rId31"/>
-    <p:sldId id="285" r:id="rId32"/>
-    <p:sldId id="283" r:id="rId33"/>
-    <p:sldId id="284" r:id="rId34"/>
-    <p:sldId id="281" r:id="rId35"/>
-    <p:sldId id="282" r:id="rId36"/>
-    <p:sldId id="286" r:id="rId37"/>
+    <p:sldId id="258" r:id="rId11"/>
+    <p:sldId id="259" r:id="rId12"/>
+    <p:sldId id="275" r:id="rId13"/>
+    <p:sldId id="276" r:id="rId14"/>
+    <p:sldId id="260" r:id="rId15"/>
+    <p:sldId id="277" r:id="rId16"/>
+    <p:sldId id="261" r:id="rId17"/>
+    <p:sldId id="262" r:id="rId18"/>
+    <p:sldId id="263" r:id="rId19"/>
+    <p:sldId id="264" r:id="rId20"/>
+    <p:sldId id="266" r:id="rId21"/>
+    <p:sldId id="278" r:id="rId22"/>
+    <p:sldId id="279" r:id="rId23"/>
+    <p:sldId id="265" r:id="rId24"/>
+    <p:sldId id="267" r:id="rId25"/>
+    <p:sldId id="268" r:id="rId26"/>
+    <p:sldId id="280" r:id="rId27"/>
+    <p:sldId id="285" r:id="rId28"/>
+    <p:sldId id="283" r:id="rId29"/>
+    <p:sldId id="284" r:id="rId30"/>
+    <p:sldId id="281" r:id="rId31"/>
+    <p:sldId id="282" r:id="rId32"/>
+    <p:sldId id="286" r:id="rId33"/>
   </p:sldIdLst>
   <p:sldSz cx="9144000" cy="6858000" type="screen4x3"/>
   <p:notesSz cx="6858000" cy="9144000"/>
@@ -1367,13 +1363,13 @@
   <p:clrMapOvr>
     <a:masterClrMapping/>
   </p:clrMapOvr>
-  <mc:AlternateContent xmlns:mc="http://schemas.openxmlformats.org/markup-compatibility/2006">
-    <mc:Choice xmlns:p14="http://schemas.microsoft.com/office/powerpoint/2010/main" Requires="p14">
+  <mc:AlternateContent xmlns:mc="http://schemas.openxmlformats.org/markup-compatibility/2006" xmlns:p14="http://schemas.microsoft.com/office/powerpoint/2010/main">
+    <mc:Choice Requires="p14">
       <p:transition spd="slow" p14:dur="1500" advTm="20000">
         <p:fade/>
       </p:transition>
     </mc:Choice>
-    <mc:Fallback>
+    <mc:Fallback xmlns="">
       <p:transition spd="slow" advTm="20000">
         <p:fade/>
       </p:transition>
@@ -1408,175 +1404,6 @@
       </p:grpSpPr>
       <p:pic>
         <p:nvPicPr>
-          <p:cNvPr id="6" name="Picture 5"/>
-          <p:cNvPicPr>
-            <a:picLocks noChangeAspect="1"/>
-          </p:cNvPicPr>
-          <p:nvPr/>
-        </p:nvPicPr>
-        <p:blipFill>
-          <a:blip r:embed="rId2">
-            <a:extLst>
-              <a:ext uri="{28A0092B-C50C-407E-A947-70E740481C1C}">
-                <a14:useLocalDpi xmlns:a14="http://schemas.microsoft.com/office/drawing/2010/main" val="0"/>
-              </a:ext>
-            </a:extLst>
-          </a:blip>
-          <a:stretch>
-            <a:fillRect/>
-          </a:stretch>
-        </p:blipFill>
-        <p:spPr>
-          <a:xfrm>
-            <a:off x="0" y="-1"/>
-            <a:ext cx="9144000" cy="6858002"/>
-          </a:xfrm>
-          <a:prstGeom prst="rect">
-            <a:avLst/>
-          </a:prstGeom>
-        </p:spPr>
-      </p:pic>
-    </p:spTree>
-    <p:extLst>
-      <p:ext uri="{BB962C8B-B14F-4D97-AF65-F5344CB8AC3E}">
-        <p14:creationId xmlns:p14="http://schemas.microsoft.com/office/powerpoint/2010/main" val="862920516"/>
-      </p:ext>
-    </p:extLst>
-  </p:cSld>
-  <p:clrMapOvr>
-    <a:masterClrMapping/>
-  </p:clrMapOvr>
-  <mc:AlternateContent xmlns:mc="http://schemas.openxmlformats.org/markup-compatibility/2006">
-    <mc:Choice xmlns:p14="http://schemas.microsoft.com/office/powerpoint/2010/main" Requires="p14">
-      <p:transition spd="med" p14:dur="700">
-        <p:fade/>
-      </p:transition>
-    </mc:Choice>
-    <mc:Fallback>
-      <p:transition spd="med">
-        <p:fade/>
-      </p:transition>
-    </mc:Fallback>
-  </mc:AlternateContent>
-  <p:timing>
-    <p:tnLst>
-      <p:par>
-        <p:cTn id="1" dur="indefinite" restart="never" nodeType="tmRoot"/>
-      </p:par>
-    </p:tnLst>
-  </p:timing>
-</p:sld>
-</file>
-
-<file path=ppt/slides/slide11.xml><?xml version="1.0" encoding="utf-8"?>
-<p:sld xmlns:a="http://schemas.openxmlformats.org/drawingml/2006/main" xmlns:r="http://schemas.openxmlformats.org/officeDocument/2006/relationships" xmlns:p="http://schemas.openxmlformats.org/presentationml/2006/main">
-  <p:cSld>
-    <p:spTree>
-      <p:nvGrpSpPr>
-        <p:cNvPr id="1" name=""/>
-        <p:cNvGrpSpPr/>
-        <p:nvPr/>
-      </p:nvGrpSpPr>
-      <p:grpSpPr>
-        <a:xfrm>
-          <a:off x="0" y="0"/>
-          <a:ext cx="0" cy="0"/>
-          <a:chOff x="0" y="0"/>
-          <a:chExt cx="0" cy="0"/>
-        </a:xfrm>
-      </p:grpSpPr>
-      <p:pic>
-        <p:nvPicPr>
-          <p:cNvPr id="12290" name="Picture 2" descr="http://fc09.deviantart.net/fs70/i/2012/026/c/2/rose_and_thorns_by_streutkerx92-d4np9nv.jpg"/>
-          <p:cNvPicPr>
-            <a:picLocks noChangeAspect="1" noChangeArrowheads="1"/>
-          </p:cNvPicPr>
-          <p:nvPr/>
-        </p:nvPicPr>
-        <p:blipFill>
-          <a:blip r:embed="rId2">
-            <a:extLst>
-              <a:ext uri="{28A0092B-C50C-407E-A947-70E740481C1C}">
-                <a14:useLocalDpi xmlns:a14="http://schemas.microsoft.com/office/drawing/2010/main" val="0"/>
-              </a:ext>
-            </a:extLst>
-          </a:blip>
-          <a:srcRect/>
-          <a:stretch>
-            <a:fillRect/>
-          </a:stretch>
-        </p:blipFill>
-        <p:spPr bwMode="auto">
-          <a:xfrm>
-            <a:off x="0" y="0"/>
-            <a:ext cx="9144000" cy="6858002"/>
-          </a:xfrm>
-          <a:prstGeom prst="rect">
-            <a:avLst/>
-          </a:prstGeom>
-          <a:noFill/>
-          <a:extLst>
-            <a:ext uri="{909E8E84-426E-40DD-AFC4-6F175D3DCCD1}">
-              <a14:hiddenFill xmlns:a14="http://schemas.microsoft.com/office/drawing/2010/main">
-                <a:solidFill>
-                  <a:srgbClr val="FFFFFF"/>
-                </a:solidFill>
-              </a14:hiddenFill>
-            </a:ext>
-          </a:extLst>
-        </p:spPr>
-      </p:pic>
-    </p:spTree>
-    <p:extLst>
-      <p:ext uri="{BB962C8B-B14F-4D97-AF65-F5344CB8AC3E}">
-        <p14:creationId xmlns:p14="http://schemas.microsoft.com/office/powerpoint/2010/main" val="2303191620"/>
-      </p:ext>
-    </p:extLst>
-  </p:cSld>
-  <p:clrMapOvr>
-    <a:masterClrMapping/>
-  </p:clrMapOvr>
-  <mc:AlternateContent xmlns:mc="http://schemas.openxmlformats.org/markup-compatibility/2006">
-    <mc:Choice xmlns:p14="http://schemas.microsoft.com/office/powerpoint/2010/main" Requires="p14">
-      <p:transition spd="med" p14:dur="700">
-        <p:fade/>
-      </p:transition>
-    </mc:Choice>
-    <mc:Fallback>
-      <p:transition spd="med">
-        <p:fade/>
-      </p:transition>
-    </mc:Fallback>
-  </mc:AlternateContent>
-  <p:timing>
-    <p:tnLst>
-      <p:par>
-        <p:cTn id="1" dur="indefinite" restart="never" nodeType="tmRoot"/>
-      </p:par>
-    </p:tnLst>
-  </p:timing>
-</p:sld>
-</file>
-
-<file path=ppt/slides/slide12.xml><?xml version="1.0" encoding="utf-8"?>
-<p:sld xmlns:a="http://schemas.openxmlformats.org/drawingml/2006/main" xmlns:r="http://schemas.openxmlformats.org/officeDocument/2006/relationships" xmlns:p="http://schemas.openxmlformats.org/presentationml/2006/main">
-  <p:cSld>
-    <p:spTree>
-      <p:nvGrpSpPr>
-        <p:cNvPr id="1" name=""/>
-        <p:cNvGrpSpPr/>
-        <p:nvPr/>
-      </p:nvGrpSpPr>
-      <p:grpSpPr>
-        <a:xfrm>
-          <a:off x="0" y="0"/>
-          <a:ext cx="0" cy="0"/>
-          <a:chOff x="0" y="0"/>
-          <a:chExt cx="0" cy="0"/>
-        </a:xfrm>
-      </p:grpSpPr>
-      <p:pic>
-        <p:nvPicPr>
           <p:cNvPr id="3" name="Picture 2"/>
           <p:cNvPicPr>
             <a:picLocks noChangeAspect="1"/>
@@ -1702,13 +1529,13 @@
   <p:clrMapOvr>
     <a:masterClrMapping/>
   </p:clrMapOvr>
-  <mc:AlternateContent xmlns:mc="http://schemas.openxmlformats.org/markup-compatibility/2006">
-    <mc:Choice xmlns:p14="http://schemas.microsoft.com/office/powerpoint/2010/main" Requires="p14">
+  <mc:AlternateContent xmlns:mc="http://schemas.openxmlformats.org/markup-compatibility/2006" xmlns:p14="http://schemas.microsoft.com/office/powerpoint/2010/main">
+    <mc:Choice Requires="p14">
       <p:transition spd="med" p14:dur="700">
         <p:fade/>
       </p:transition>
     </mc:Choice>
-    <mc:Fallback>
+    <mc:Fallback xmlns="">
       <p:transition spd="med">
         <p:fade/>
       </p:transition>
@@ -1724,7 +1551,7 @@
 </p:sld>
 </file>
 
-<file path=ppt/slides/slide13.xml><?xml version="1.0" encoding="utf-8"?>
+<file path=ppt/slides/slide11.xml><?xml version="1.0" encoding="utf-8"?>
 <p:sld xmlns:a="http://schemas.openxmlformats.org/drawingml/2006/main" xmlns:r="http://schemas.openxmlformats.org/officeDocument/2006/relationships" xmlns:p="http://schemas.openxmlformats.org/presentationml/2006/main">
   <p:cSld>
     <p:spTree>
@@ -2014,13 +1841,13 @@
   <p:clrMapOvr>
     <a:masterClrMapping/>
   </p:clrMapOvr>
-  <mc:AlternateContent xmlns:mc="http://schemas.openxmlformats.org/markup-compatibility/2006">
-    <mc:Choice xmlns:p14="http://schemas.microsoft.com/office/powerpoint/2010/main" Requires="p14">
+  <mc:AlternateContent xmlns:mc="http://schemas.openxmlformats.org/markup-compatibility/2006" xmlns:p14="http://schemas.microsoft.com/office/powerpoint/2010/main">
+    <mc:Choice Requires="p14">
       <p:transition spd="med" p14:dur="700">
         <p:fade/>
       </p:transition>
     </mc:Choice>
-    <mc:Fallback>
+    <mc:Fallback xmlns="">
       <p:transition spd="med">
         <p:fade/>
       </p:transition>
@@ -2036,7 +1863,7 @@
 </p:sld>
 </file>
 
-<file path=ppt/slides/slide14.xml><?xml version="1.0" encoding="utf-8"?>
+<file path=ppt/slides/slide12.xml><?xml version="1.0" encoding="utf-8"?>
 <p:sld xmlns:a="http://schemas.openxmlformats.org/drawingml/2006/main" xmlns:r="http://schemas.openxmlformats.org/officeDocument/2006/relationships" xmlns:p="http://schemas.openxmlformats.org/presentationml/2006/main">
   <p:cSld>
     <p:spTree>
@@ -2122,13 +1949,13 @@
   <p:clrMapOvr>
     <a:masterClrMapping/>
   </p:clrMapOvr>
-  <mc:AlternateContent xmlns:mc="http://schemas.openxmlformats.org/markup-compatibility/2006">
-    <mc:Choice xmlns:p14="http://schemas.microsoft.com/office/powerpoint/2010/main" Requires="p14">
+  <mc:AlternateContent xmlns:mc="http://schemas.openxmlformats.org/markup-compatibility/2006" xmlns:p14="http://schemas.microsoft.com/office/powerpoint/2010/main">
+    <mc:Choice Requires="p14">
       <p:transition spd="med" p14:dur="700">
         <p:fade/>
       </p:transition>
     </mc:Choice>
-    <mc:Fallback>
+    <mc:Fallback xmlns="">
       <p:transition spd="med">
         <p:fade/>
       </p:transition>
@@ -2144,7 +1971,7 @@
 </p:sld>
 </file>
 
-<file path=ppt/slides/slide15.xml><?xml version="1.0" encoding="utf-8"?>
+<file path=ppt/slides/slide13.xml><?xml version="1.0" encoding="utf-8"?>
 <p:sld xmlns:a="http://schemas.openxmlformats.org/drawingml/2006/main" xmlns:r="http://schemas.openxmlformats.org/officeDocument/2006/relationships" xmlns:p="http://schemas.openxmlformats.org/presentationml/2006/main">
   <p:cSld>
     <p:spTree>
@@ -2212,13 +2039,315 @@
   <p:clrMapOvr>
     <a:masterClrMapping/>
   </p:clrMapOvr>
-  <mc:AlternateContent xmlns:mc="http://schemas.openxmlformats.org/markup-compatibility/2006">
-    <mc:Choice xmlns:p14="http://schemas.microsoft.com/office/powerpoint/2010/main" Requires="p14">
+  <mc:AlternateContent xmlns:mc="http://schemas.openxmlformats.org/markup-compatibility/2006" xmlns:p14="http://schemas.microsoft.com/office/powerpoint/2010/main">
+    <mc:Choice Requires="p14">
       <p:transition spd="med" p14:dur="700">
         <p:fade/>
       </p:transition>
     </mc:Choice>
-    <mc:Fallback>
+    <mc:Fallback xmlns="">
+      <p:transition spd="med">
+        <p:fade/>
+      </p:transition>
+    </mc:Fallback>
+  </mc:AlternateContent>
+  <p:timing>
+    <p:tnLst>
+      <p:par>
+        <p:cTn id="1" dur="indefinite" restart="never" nodeType="tmRoot"/>
+      </p:par>
+    </p:tnLst>
+  </p:timing>
+</p:sld>
+</file>
+
+<file path=ppt/slides/slide14.xml><?xml version="1.0" encoding="utf-8"?>
+<p:sld xmlns:a="http://schemas.openxmlformats.org/drawingml/2006/main" xmlns:r="http://schemas.openxmlformats.org/officeDocument/2006/relationships" xmlns:p="http://schemas.openxmlformats.org/presentationml/2006/main">
+  <p:cSld>
+    <p:spTree>
+      <p:nvGrpSpPr>
+        <p:cNvPr id="1" name=""/>
+        <p:cNvGrpSpPr/>
+        <p:nvPr/>
+      </p:nvGrpSpPr>
+      <p:grpSpPr>
+        <a:xfrm>
+          <a:off x="0" y="0"/>
+          <a:ext cx="0" cy="0"/>
+          <a:chOff x="0" y="0"/>
+          <a:chExt cx="0" cy="0"/>
+        </a:xfrm>
+      </p:grpSpPr>
+      <p:pic>
+        <p:nvPicPr>
+          <p:cNvPr id="3" name="Picture 2"/>
+          <p:cNvPicPr>
+            <a:picLocks noChangeAspect="1"/>
+          </p:cNvPicPr>
+          <p:nvPr/>
+        </p:nvPicPr>
+        <p:blipFill>
+          <a:blip r:embed="rId2"/>
+          <a:stretch>
+            <a:fillRect/>
+          </a:stretch>
+        </p:blipFill>
+        <p:spPr>
+          <a:xfrm rot="21436760">
+            <a:off x="128468" y="2487180"/>
+            <a:ext cx="8342463" cy="5611091"/>
+          </a:xfrm>
+          <a:prstGeom prst="rect">
+            <a:avLst/>
+          </a:prstGeom>
+        </p:spPr>
+      </p:pic>
+      <p:sp>
+        <p:nvSpPr>
+          <p:cNvPr id="4" name="Title 1"/>
+          <p:cNvSpPr>
+            <a:spLocks noGrp="1"/>
+          </p:cNvSpPr>
+          <p:nvPr>
+            <p:ph type="title"/>
+          </p:nvPr>
+        </p:nvSpPr>
+        <p:spPr>
+          <a:xfrm>
+            <a:off x="292100" y="311571"/>
+            <a:ext cx="8559800" cy="823070"/>
+          </a:xfrm>
+        </p:spPr>
+        <p:txBody>
+          <a:bodyPr/>
+          <a:lstStyle/>
+          <a:p>
+            <a:pPr algn="ctr"/>
+            <a:r>
+              <a:rPr lang="en-US" dirty="0" smtClean="0"/>
+              <a:t>F# is a [growing] community</a:t>
+            </a:r>
+            <a:endParaRPr lang="en-US" dirty="0"/>
+          </a:p>
+        </p:txBody>
+      </p:sp>
+      <p:pic>
+        <p:nvPicPr>
+          <p:cNvPr id="5" name="Picture 4"/>
+          <p:cNvPicPr>
+            <a:picLocks noChangeAspect="1"/>
+          </p:cNvPicPr>
+          <p:nvPr/>
+        </p:nvPicPr>
+        <p:blipFill>
+          <a:blip r:embed="rId3"/>
+          <a:stretch>
+            <a:fillRect/>
+          </a:stretch>
+        </p:blipFill>
+        <p:spPr>
+          <a:xfrm rot="279476">
+            <a:off x="2110219" y="1728896"/>
+            <a:ext cx="6904762" cy="1742857"/>
+          </a:xfrm>
+          <a:prstGeom prst="rect">
+            <a:avLst/>
+          </a:prstGeom>
+          <a:effectLst>
+            <a:outerShdw blurRad="50800" dist="38100" dir="5400000" algn="t" rotWithShape="0">
+              <a:prstClr val="black">
+                <a:alpha val="40000"/>
+              </a:prstClr>
+            </a:outerShdw>
+          </a:effectLst>
+          <a:scene3d>
+            <a:camera prst="perspectiveLeft"/>
+            <a:lightRig rig="threePt" dir="t"/>
+          </a:scene3d>
+        </p:spPr>
+      </p:pic>
+    </p:spTree>
+    <p:extLst>
+      <p:ext uri="{BB962C8B-B14F-4D97-AF65-F5344CB8AC3E}">
+        <p14:creationId xmlns:p14="http://schemas.microsoft.com/office/powerpoint/2010/main" val="2110990390"/>
+      </p:ext>
+    </p:extLst>
+  </p:cSld>
+  <p:clrMapOvr>
+    <a:masterClrMapping/>
+  </p:clrMapOvr>
+  <mc:AlternateContent xmlns:mc="http://schemas.openxmlformats.org/markup-compatibility/2006" xmlns:p14="http://schemas.microsoft.com/office/powerpoint/2010/main">
+    <mc:Choice Requires="p14">
+      <p:transition spd="med" p14:dur="700">
+        <p:fade/>
+      </p:transition>
+    </mc:Choice>
+    <mc:Fallback xmlns="">
+      <p:transition spd="med">
+        <p:fade/>
+      </p:transition>
+    </mc:Fallback>
+  </mc:AlternateContent>
+  <p:timing>
+    <p:tnLst>
+      <p:par>
+        <p:cTn id="1" dur="indefinite" restart="never" nodeType="tmRoot"/>
+      </p:par>
+    </p:tnLst>
+  </p:timing>
+</p:sld>
+</file>
+
+<file path=ppt/slides/slide15.xml><?xml version="1.0" encoding="utf-8"?>
+<p:sld xmlns:a="http://schemas.openxmlformats.org/drawingml/2006/main" xmlns:r="http://schemas.openxmlformats.org/officeDocument/2006/relationships" xmlns:p="http://schemas.openxmlformats.org/presentationml/2006/main">
+  <p:cSld>
+    <p:spTree>
+      <p:nvGrpSpPr>
+        <p:cNvPr id="1" name=""/>
+        <p:cNvGrpSpPr/>
+        <p:nvPr/>
+      </p:nvGrpSpPr>
+      <p:grpSpPr>
+        <a:xfrm>
+          <a:off x="0" y="0"/>
+          <a:ext cx="0" cy="0"/>
+          <a:chOff x="0" y="0"/>
+          <a:chExt cx="0" cy="0"/>
+        </a:xfrm>
+      </p:grpSpPr>
+      <p:sp>
+        <p:nvSpPr>
+          <p:cNvPr id="4" name="Title 1"/>
+          <p:cNvSpPr>
+            <a:spLocks noGrp="1"/>
+          </p:cNvSpPr>
+          <p:nvPr>
+            <p:ph type="title"/>
+          </p:nvPr>
+        </p:nvSpPr>
+        <p:spPr>
+          <a:xfrm>
+            <a:off x="292100" y="311571"/>
+            <a:ext cx="8559800" cy="823070"/>
+          </a:xfrm>
+        </p:spPr>
+        <p:txBody>
+          <a:bodyPr/>
+          <a:lstStyle/>
+          <a:p>
+            <a:pPr algn="ctr"/>
+            <a:r>
+              <a:rPr lang="en-US" dirty="0" smtClean="0"/>
+              <a:t>F# is a [growing] community</a:t>
+            </a:r>
+            <a:endParaRPr lang="en-US" dirty="0"/>
+          </a:p>
+        </p:txBody>
+      </p:sp>
+      <p:pic>
+        <p:nvPicPr>
+          <p:cNvPr id="15362" name="Picture 2" descr="https://sergeytihon.files.wordpress.com/2013/12/rperp2.png"/>
+          <p:cNvPicPr>
+            <a:picLocks noChangeAspect="1" noChangeArrowheads="1"/>
+          </p:cNvPicPr>
+          <p:nvPr/>
+        </p:nvPicPr>
+        <p:blipFill>
+          <a:blip r:embed="rId2">
+            <a:extLst>
+              <a:ext uri="{28A0092B-C50C-407E-A947-70E740481C1C}">
+                <a14:useLocalDpi xmlns:a14="http://schemas.microsoft.com/office/drawing/2010/main" val="0"/>
+              </a:ext>
+            </a:extLst>
+          </a:blip>
+          <a:srcRect/>
+          <a:stretch>
+            <a:fillRect/>
+          </a:stretch>
+        </p:blipFill>
+        <p:spPr bwMode="auto">
+          <a:xfrm>
+            <a:off x="0" y="1244600"/>
+            <a:ext cx="9140440" cy="4660900"/>
+          </a:xfrm>
+          <a:prstGeom prst="rect">
+            <a:avLst/>
+          </a:prstGeom>
+          <a:noFill/>
+          <a:extLst>
+            <a:ext uri="{909E8E84-426E-40DD-AFC4-6F175D3DCCD1}">
+              <a14:hiddenFill xmlns:a14="http://schemas.microsoft.com/office/drawing/2010/main">
+                <a:solidFill>
+                  <a:srgbClr val="FFFFFF"/>
+                </a:solidFill>
+              </a14:hiddenFill>
+            </a:ext>
+          </a:extLst>
+        </p:spPr>
+      </p:pic>
+      <p:sp>
+        <p:nvSpPr>
+          <p:cNvPr id="2" name="TextBox 1"/>
+          <p:cNvSpPr txBox="1"/>
+          <p:nvPr/>
+        </p:nvSpPr>
+        <p:spPr>
+          <a:xfrm>
+            <a:off x="5994400" y="5905500"/>
+            <a:ext cx="3012684" cy="369332"/>
+          </a:xfrm>
+          <a:prstGeom prst="rect">
+            <a:avLst/>
+          </a:prstGeom>
+          <a:noFill/>
+        </p:spPr>
+        <p:txBody>
+          <a:bodyPr wrap="none" rtlCol="0">
+            <a:spAutoFit/>
+          </a:bodyPr>
+          <a:lstStyle/>
+          <a:p>
+            <a:r>
+              <a:rPr lang="en-US" dirty="0" smtClean="0">
+                <a:solidFill>
+                  <a:schemeClr val="bg1">
+                    <a:lumMod val="50000"/>
+                    <a:lumOff val="50000"/>
+                  </a:schemeClr>
+                </a:solidFill>
+                <a:latin typeface="Rockwell" panose="02060603020205020403" pitchFamily="18" charset="0"/>
+              </a:rPr>
+              <a:t>*Word clouds prove things</a:t>
+            </a:r>
+            <a:endParaRPr lang="en-US" dirty="0">
+              <a:solidFill>
+                <a:schemeClr val="bg1">
+                  <a:lumMod val="50000"/>
+                  <a:lumOff val="50000"/>
+                </a:schemeClr>
+              </a:solidFill>
+              <a:latin typeface="Rockwell" panose="02060603020205020403" pitchFamily="18" charset="0"/>
+            </a:endParaRPr>
+          </a:p>
+        </p:txBody>
+      </p:sp>
+    </p:spTree>
+    <p:extLst>
+      <p:ext uri="{BB962C8B-B14F-4D97-AF65-F5344CB8AC3E}">
+        <p14:creationId xmlns:p14="http://schemas.microsoft.com/office/powerpoint/2010/main" val="2611401345"/>
+      </p:ext>
+    </p:extLst>
+  </p:cSld>
+  <p:clrMapOvr>
+    <a:masterClrMapping/>
+  </p:clrMapOvr>
+  <mc:AlternateContent xmlns:mc="http://schemas.openxmlformats.org/markup-compatibility/2006" xmlns:p14="http://schemas.microsoft.com/office/powerpoint/2010/main">
+    <mc:Choice Requires="p14">
+      <p:transition spd="med" p14:dur="700">
+        <p:fade/>
+      </p:transition>
+    </mc:Choice>
+    <mc:Fallback xmlns="">
       <p:transition spd="med">
         <p:fade/>
       </p:transition>
@@ -2251,24 +2380,142 @@
           <a:chExt cx="0" cy="0"/>
         </a:xfrm>
       </p:grpSpPr>
+      <p:sp>
+        <p:nvSpPr>
+          <p:cNvPr id="5" name="Rounded Rectangle 4"/>
+          <p:cNvSpPr/>
+          <p:nvPr/>
+        </p:nvSpPr>
+        <p:spPr>
+          <a:xfrm>
+            <a:off x="307975" y="1568894"/>
+            <a:ext cx="4775200" cy="4775200"/>
+          </a:xfrm>
+          <a:prstGeom prst="roundRect">
+            <a:avLst/>
+          </a:prstGeom>
+          <a:ln>
+            <a:noFill/>
+          </a:ln>
+        </p:spPr>
+        <p:style>
+          <a:lnRef idx="1">
+            <a:schemeClr val="accent6"/>
+          </a:lnRef>
+          <a:fillRef idx="1002">
+            <a:schemeClr val="lt2"/>
+          </a:fillRef>
+          <a:effectRef idx="1">
+            <a:schemeClr val="accent6"/>
+          </a:effectRef>
+          <a:fontRef idx="minor">
+            <a:schemeClr val="dk1"/>
+          </a:fontRef>
+        </p:style>
+        <p:txBody>
+          <a:bodyPr rtlCol="0" anchor="ctr"/>
+          <a:lstStyle/>
+          <a:p>
+            <a:pPr algn="ctr"/>
+            <a:endParaRPr lang="en-US"/>
+          </a:p>
+        </p:txBody>
+      </p:sp>
+      <p:sp>
+        <p:nvSpPr>
+          <p:cNvPr id="6" name="Oval 5"/>
+          <p:cNvSpPr/>
+          <p:nvPr/>
+        </p:nvSpPr>
+        <p:spPr>
+          <a:xfrm>
+            <a:off x="1571403" y="2711449"/>
+            <a:ext cx="3362547" cy="3362547"/>
+          </a:xfrm>
+          <a:prstGeom prst="ellipse">
+            <a:avLst/>
+          </a:prstGeom>
+          <a:ln>
+            <a:noFill/>
+          </a:ln>
+        </p:spPr>
+        <p:style>
+          <a:lnRef idx="1">
+            <a:schemeClr val="accent3"/>
+          </a:lnRef>
+          <a:fillRef idx="2">
+            <a:schemeClr val="accent3"/>
+          </a:fillRef>
+          <a:effectRef idx="1">
+            <a:schemeClr val="accent3"/>
+          </a:effectRef>
+          <a:fontRef idx="minor">
+            <a:schemeClr val="dk1"/>
+          </a:fontRef>
+        </p:style>
+        <p:txBody>
+          <a:bodyPr rtlCol="0" anchor="ctr"/>
+          <a:lstStyle/>
+          <a:p>
+            <a:pPr algn="ctr"/>
+            <a:endParaRPr lang="en-US"/>
+          </a:p>
+        </p:txBody>
+      </p:sp>
       <p:pic>
         <p:nvPicPr>
-          <p:cNvPr id="3" name="Picture 2"/>
+          <p:cNvPr id="7" name="Picture 6"/>
           <p:cNvPicPr>
             <a:picLocks noChangeAspect="1"/>
           </p:cNvPicPr>
           <p:nvPr/>
         </p:nvPicPr>
         <p:blipFill>
-          <a:blip r:embed="rId2"/>
+          <a:blip r:embed="rId2">
+            <a:extLst>
+              <a:ext uri="{28A0092B-C50C-407E-A947-70E740481C1C}">
+                <a14:useLocalDpi xmlns:a14="http://schemas.microsoft.com/office/drawing/2010/main" val="0"/>
+              </a:ext>
+            </a:extLst>
+          </a:blip>
           <a:stretch>
             <a:fillRect/>
           </a:stretch>
         </p:blipFill>
         <p:spPr>
-          <a:xfrm rot="21436760">
-            <a:off x="128468" y="2487180"/>
-            <a:ext cx="8342463" cy="5611091"/>
+          <a:xfrm>
+            <a:off x="949298" y="1838421"/>
+            <a:ext cx="3123809" cy="771429"/>
+          </a:xfrm>
+          <a:prstGeom prst="rect">
+            <a:avLst/>
+          </a:prstGeom>
+        </p:spPr>
+      </p:pic>
+      <p:pic>
+        <p:nvPicPr>
+          <p:cNvPr id="9" name="Picture 8"/>
+          <p:cNvPicPr>
+            <a:picLocks noChangeAspect="1"/>
+          </p:cNvPicPr>
+          <p:nvPr/>
+        </p:nvPicPr>
+        <p:blipFill>
+          <a:blip r:embed="rId3" cstate="print">
+            <a:extLst>
+              <a:ext uri="{28A0092B-C50C-407E-A947-70E740481C1C}">
+                <a14:useLocalDpi xmlns:a14="http://schemas.microsoft.com/office/drawing/2010/main" val="0"/>
+              </a:ext>
+            </a:extLst>
+          </a:blip>
+          <a:stretch>
+            <a:fillRect/>
+          </a:stretch>
+        </p:blipFill>
+        <p:spPr>
+          <a:xfrm>
+            <a:off x="2108248" y="3194049"/>
+            <a:ext cx="2324100" cy="2324100"/>
           </a:xfrm>
           <a:prstGeom prst="rect">
             <a:avLst/>
@@ -2277,7 +2524,7 @@
       </p:pic>
       <p:sp>
         <p:nvSpPr>
-          <p:cNvPr id="4" name="Title 1"/>
+          <p:cNvPr id="11" name="Title 1"/>
           <p:cNvSpPr>
             <a:spLocks noGrp="1"/>
           </p:cNvSpPr>
@@ -2287,8 +2534,8 @@
         </p:nvSpPr>
         <p:spPr>
           <a:xfrm>
-            <a:off x="292100" y="311571"/>
-            <a:ext cx="8559800" cy="823070"/>
+            <a:off x="292100" y="501384"/>
+            <a:ext cx="8559800" cy="748245"/>
           </a:xfrm>
         </p:spPr>
         <p:txBody>
@@ -2298,64 +2545,32 @@
             <a:pPr algn="ctr"/>
             <a:r>
               <a:rPr lang="en-US" dirty="0" smtClean="0"/>
-              <a:t>F# is a [growing] community</a:t>
-            </a:r>
+              <a:t>F# is fully .NET</a:t>
+            </a:r>
+            <a:br>
+              <a:rPr lang="en-US" dirty="0" smtClean="0"/>
+            </a:br>
             <a:endParaRPr lang="en-US" dirty="0"/>
           </a:p>
         </p:txBody>
       </p:sp>
-      <p:pic>
-        <p:nvPicPr>
-          <p:cNvPr id="5" name="Picture 4"/>
-          <p:cNvPicPr>
-            <a:picLocks noChangeAspect="1"/>
-          </p:cNvPicPr>
-          <p:nvPr/>
-        </p:nvPicPr>
-        <p:blipFill>
-          <a:blip r:embed="rId3"/>
-          <a:stretch>
-            <a:fillRect/>
-          </a:stretch>
-        </p:blipFill>
-        <p:spPr>
-          <a:xfrm rot="279476">
-            <a:off x="2110219" y="1728896"/>
-            <a:ext cx="6904762" cy="1742857"/>
-          </a:xfrm>
-          <a:prstGeom prst="rect">
-            <a:avLst/>
-          </a:prstGeom>
-          <a:effectLst>
-            <a:outerShdw blurRad="50800" dist="38100" dir="5400000" algn="t" rotWithShape="0">
-              <a:prstClr val="black">
-                <a:alpha val="40000"/>
-              </a:prstClr>
-            </a:outerShdw>
-          </a:effectLst>
-          <a:scene3d>
-            <a:camera prst="perspectiveLeft"/>
-            <a:lightRig rig="threePt" dir="t"/>
-          </a:scene3d>
-        </p:spPr>
-      </p:pic>
     </p:spTree>
     <p:extLst>
       <p:ext uri="{BB962C8B-B14F-4D97-AF65-F5344CB8AC3E}">
-        <p14:creationId xmlns:p14="http://schemas.microsoft.com/office/powerpoint/2010/main" val="2110990390"/>
+        <p14:creationId xmlns:p14="http://schemas.microsoft.com/office/powerpoint/2010/main" val="1526378224"/>
       </p:ext>
     </p:extLst>
   </p:cSld>
   <p:clrMapOvr>
     <a:masterClrMapping/>
   </p:clrMapOvr>
-  <mc:AlternateContent xmlns:mc="http://schemas.openxmlformats.org/markup-compatibility/2006">
-    <mc:Choice xmlns:p14="http://schemas.microsoft.com/office/powerpoint/2010/main" Requires="p14">
+  <mc:AlternateContent xmlns:mc="http://schemas.openxmlformats.org/markup-compatibility/2006" xmlns:p14="http://schemas.microsoft.com/office/powerpoint/2010/main">
+    <mc:Choice Requires="p14">
       <p:transition spd="med" p14:dur="700">
         <p:fade/>
       </p:transition>
     </mc:Choice>
-    <mc:Fallback>
+    <mc:Fallback xmlns="">
       <p:transition spd="med">
         <p:fade/>
       </p:transition>
@@ -2390,7 +2605,222 @@
       </p:grpSpPr>
       <p:sp>
         <p:nvSpPr>
-          <p:cNvPr id="4" name="Title 1"/>
+          <p:cNvPr id="8" name="Oval 7"/>
+          <p:cNvSpPr/>
+          <p:nvPr/>
+        </p:nvSpPr>
+        <p:spPr>
+          <a:xfrm>
+            <a:off x="5232400" y="2609850"/>
+            <a:ext cx="3492500" cy="3492500"/>
+          </a:xfrm>
+          <a:prstGeom prst="ellipse">
+            <a:avLst/>
+          </a:prstGeom>
+          <a:ln>
+            <a:noFill/>
+          </a:ln>
+        </p:spPr>
+        <p:style>
+          <a:lnRef idx="2">
+            <a:schemeClr val="accent3">
+              <a:shade val="50000"/>
+            </a:schemeClr>
+          </a:lnRef>
+          <a:fillRef idx="1">
+            <a:schemeClr val="accent3"/>
+          </a:fillRef>
+          <a:effectRef idx="0">
+            <a:schemeClr val="accent3"/>
+          </a:effectRef>
+          <a:fontRef idx="minor">
+            <a:schemeClr val="lt1"/>
+          </a:fontRef>
+        </p:style>
+        <p:txBody>
+          <a:bodyPr rtlCol="0" anchor="ctr"/>
+          <a:lstStyle/>
+          <a:p>
+            <a:pPr algn="ctr"/>
+            <a:endParaRPr lang="en-US"/>
+          </a:p>
+        </p:txBody>
+      </p:sp>
+      <p:pic>
+        <p:nvPicPr>
+          <p:cNvPr id="4" name="Picture 3"/>
+          <p:cNvPicPr>
+            <a:picLocks noChangeAspect="1"/>
+          </p:cNvPicPr>
+          <p:nvPr/>
+        </p:nvPicPr>
+        <p:blipFill>
+          <a:blip r:embed="rId2" cstate="print">
+            <a:extLst>
+              <a:ext uri="{28A0092B-C50C-407E-A947-70E740481C1C}">
+                <a14:useLocalDpi xmlns:a14="http://schemas.microsoft.com/office/drawing/2010/main" val="0"/>
+              </a:ext>
+            </a:extLst>
+          </a:blip>
+          <a:stretch>
+            <a:fillRect/>
+          </a:stretch>
+        </p:blipFill>
+        <p:spPr>
+          <a:xfrm>
+            <a:off x="5524511" y="3956494"/>
+            <a:ext cx="2908278" cy="799211"/>
+          </a:xfrm>
+          <a:prstGeom prst="rect">
+            <a:avLst/>
+          </a:prstGeom>
+        </p:spPr>
+      </p:pic>
+      <p:sp>
+        <p:nvSpPr>
+          <p:cNvPr id="5" name="Rounded Rectangle 4"/>
+          <p:cNvSpPr/>
+          <p:nvPr/>
+        </p:nvSpPr>
+        <p:spPr>
+          <a:xfrm>
+            <a:off x="307975" y="1568894"/>
+            <a:ext cx="4775200" cy="4775200"/>
+          </a:xfrm>
+          <a:prstGeom prst="roundRect">
+            <a:avLst/>
+          </a:prstGeom>
+          <a:ln>
+            <a:noFill/>
+          </a:ln>
+        </p:spPr>
+        <p:style>
+          <a:lnRef idx="1">
+            <a:schemeClr val="accent6"/>
+          </a:lnRef>
+          <a:fillRef idx="1002">
+            <a:schemeClr val="lt2"/>
+          </a:fillRef>
+          <a:effectRef idx="1">
+            <a:schemeClr val="accent6"/>
+          </a:effectRef>
+          <a:fontRef idx="minor">
+            <a:schemeClr val="dk1"/>
+          </a:fontRef>
+        </p:style>
+        <p:txBody>
+          <a:bodyPr rtlCol="0" anchor="ctr"/>
+          <a:lstStyle/>
+          <a:p>
+            <a:pPr algn="ctr"/>
+            <a:endParaRPr lang="en-US"/>
+          </a:p>
+        </p:txBody>
+      </p:sp>
+      <p:sp>
+        <p:nvSpPr>
+          <p:cNvPr id="6" name="Oval 5"/>
+          <p:cNvSpPr/>
+          <p:nvPr/>
+        </p:nvSpPr>
+        <p:spPr>
+          <a:xfrm>
+            <a:off x="1571403" y="2711449"/>
+            <a:ext cx="3362547" cy="3362547"/>
+          </a:xfrm>
+          <a:prstGeom prst="ellipse">
+            <a:avLst/>
+          </a:prstGeom>
+          <a:ln>
+            <a:noFill/>
+          </a:ln>
+        </p:spPr>
+        <p:style>
+          <a:lnRef idx="1">
+            <a:schemeClr val="accent3"/>
+          </a:lnRef>
+          <a:fillRef idx="2">
+            <a:schemeClr val="accent3"/>
+          </a:fillRef>
+          <a:effectRef idx="1">
+            <a:schemeClr val="accent3"/>
+          </a:effectRef>
+          <a:fontRef idx="minor">
+            <a:schemeClr val="dk1"/>
+          </a:fontRef>
+        </p:style>
+        <p:txBody>
+          <a:bodyPr rtlCol="0" anchor="ctr"/>
+          <a:lstStyle/>
+          <a:p>
+            <a:pPr algn="ctr"/>
+            <a:endParaRPr lang="en-US"/>
+          </a:p>
+        </p:txBody>
+      </p:sp>
+      <p:pic>
+        <p:nvPicPr>
+          <p:cNvPr id="7" name="Picture 6"/>
+          <p:cNvPicPr>
+            <a:picLocks noChangeAspect="1"/>
+          </p:cNvPicPr>
+          <p:nvPr/>
+        </p:nvPicPr>
+        <p:blipFill>
+          <a:blip r:embed="rId3">
+            <a:extLst>
+              <a:ext uri="{28A0092B-C50C-407E-A947-70E740481C1C}">
+                <a14:useLocalDpi xmlns:a14="http://schemas.microsoft.com/office/drawing/2010/main" val="0"/>
+              </a:ext>
+            </a:extLst>
+          </a:blip>
+          <a:stretch>
+            <a:fillRect/>
+          </a:stretch>
+        </p:blipFill>
+        <p:spPr>
+          <a:xfrm>
+            <a:off x="949298" y="1838421"/>
+            <a:ext cx="3123809" cy="771429"/>
+          </a:xfrm>
+          <a:prstGeom prst="rect">
+            <a:avLst/>
+          </a:prstGeom>
+        </p:spPr>
+      </p:pic>
+      <p:pic>
+        <p:nvPicPr>
+          <p:cNvPr id="9" name="Picture 8"/>
+          <p:cNvPicPr>
+            <a:picLocks noChangeAspect="1"/>
+          </p:cNvPicPr>
+          <p:nvPr/>
+        </p:nvPicPr>
+        <p:blipFill>
+          <a:blip r:embed="rId4" cstate="print">
+            <a:extLst>
+              <a:ext uri="{28A0092B-C50C-407E-A947-70E740481C1C}">
+                <a14:useLocalDpi xmlns:a14="http://schemas.microsoft.com/office/drawing/2010/main" val="0"/>
+              </a:ext>
+            </a:extLst>
+          </a:blip>
+          <a:stretch>
+            <a:fillRect/>
+          </a:stretch>
+        </p:blipFill>
+        <p:spPr>
+          <a:xfrm>
+            <a:off x="2108248" y="3194049"/>
+            <a:ext cx="2324100" cy="2324100"/>
+          </a:xfrm>
+          <a:prstGeom prst="rect">
+            <a:avLst/>
+          </a:prstGeom>
+        </p:spPr>
+      </p:pic>
+      <p:sp>
+        <p:nvSpPr>
+          <p:cNvPr id="11" name="Title 1"/>
           <p:cNvSpPr>
             <a:spLocks noGrp="1"/>
           </p:cNvSpPr>
@@ -2400,8 +2830,8 @@
         </p:nvSpPr>
         <p:spPr>
           <a:xfrm>
-            <a:off x="292100" y="311571"/>
-            <a:ext cx="8559800" cy="823070"/>
+            <a:off x="292100" y="180532"/>
+            <a:ext cx="8559800" cy="1470741"/>
           </a:xfrm>
         </p:spPr>
         <p:txBody>
@@ -2411,116 +2841,29 @@
             <a:pPr algn="ctr"/>
             <a:r>
               <a:rPr lang="en-US" dirty="0" smtClean="0"/>
-              <a:t>F# is a [growing] community</a:t>
+              <a:t>Its provenance makes it idiomatically distinctive</a:t>
             </a:r>
             <a:endParaRPr lang="en-US" dirty="0"/>
-          </a:p>
-        </p:txBody>
-      </p:sp>
-      <p:pic>
-        <p:nvPicPr>
-          <p:cNvPr id="15362" name="Picture 2" descr="https://sergeytihon.files.wordpress.com/2013/12/rperp2.png"/>
-          <p:cNvPicPr>
-            <a:picLocks noChangeAspect="1" noChangeArrowheads="1"/>
-          </p:cNvPicPr>
-          <p:nvPr/>
-        </p:nvPicPr>
-        <p:blipFill>
-          <a:blip r:embed="rId2">
-            <a:extLst>
-              <a:ext uri="{28A0092B-C50C-407E-A947-70E740481C1C}">
-                <a14:useLocalDpi xmlns:a14="http://schemas.microsoft.com/office/drawing/2010/main" val="0"/>
-              </a:ext>
-            </a:extLst>
-          </a:blip>
-          <a:srcRect/>
-          <a:stretch>
-            <a:fillRect/>
-          </a:stretch>
-        </p:blipFill>
-        <p:spPr bwMode="auto">
-          <a:xfrm>
-            <a:off x="0" y="1244600"/>
-            <a:ext cx="9140440" cy="4660900"/>
-          </a:xfrm>
-          <a:prstGeom prst="rect">
-            <a:avLst/>
-          </a:prstGeom>
-          <a:noFill/>
-          <a:extLst>
-            <a:ext uri="{909E8E84-426E-40DD-AFC4-6F175D3DCCD1}">
-              <a14:hiddenFill xmlns:a14="http://schemas.microsoft.com/office/drawing/2010/main">
-                <a:solidFill>
-                  <a:srgbClr val="FFFFFF"/>
-                </a:solidFill>
-              </a14:hiddenFill>
-            </a:ext>
-          </a:extLst>
-        </p:spPr>
-      </p:pic>
-      <p:sp>
-        <p:nvSpPr>
-          <p:cNvPr id="2" name="TextBox 1"/>
-          <p:cNvSpPr txBox="1"/>
-          <p:nvPr/>
-        </p:nvSpPr>
-        <p:spPr>
-          <a:xfrm>
-            <a:off x="5994400" y="5905500"/>
-            <a:ext cx="3012684" cy="369332"/>
-          </a:xfrm>
-          <a:prstGeom prst="rect">
-            <a:avLst/>
-          </a:prstGeom>
-          <a:noFill/>
-        </p:spPr>
-        <p:txBody>
-          <a:bodyPr wrap="none" rtlCol="0">
-            <a:spAutoFit/>
-          </a:bodyPr>
-          <a:lstStyle/>
-          <a:p>
-            <a:r>
-              <a:rPr lang="en-US" dirty="0" smtClean="0">
-                <a:solidFill>
-                  <a:schemeClr val="bg1">
-                    <a:lumMod val="50000"/>
-                    <a:lumOff val="50000"/>
-                  </a:schemeClr>
-                </a:solidFill>
-                <a:latin typeface="Rockwell" panose="02060603020205020403" pitchFamily="18" charset="0"/>
-              </a:rPr>
-              <a:t>*Word clouds prove things</a:t>
-            </a:r>
-            <a:endParaRPr lang="en-US" dirty="0">
-              <a:solidFill>
-                <a:schemeClr val="bg1">
-                  <a:lumMod val="50000"/>
-                  <a:lumOff val="50000"/>
-                </a:schemeClr>
-              </a:solidFill>
-              <a:latin typeface="Rockwell" panose="02060603020205020403" pitchFamily="18" charset="0"/>
-            </a:endParaRPr>
           </a:p>
         </p:txBody>
       </p:sp>
     </p:spTree>
     <p:extLst>
       <p:ext uri="{BB962C8B-B14F-4D97-AF65-F5344CB8AC3E}">
-        <p14:creationId xmlns:p14="http://schemas.microsoft.com/office/powerpoint/2010/main" val="2611401345"/>
+        <p14:creationId xmlns:p14="http://schemas.microsoft.com/office/powerpoint/2010/main" val="4185393364"/>
       </p:ext>
     </p:extLst>
   </p:cSld>
   <p:clrMapOvr>
     <a:masterClrMapping/>
   </p:clrMapOvr>
-  <mc:AlternateContent xmlns:mc="http://schemas.openxmlformats.org/markup-compatibility/2006">
-    <mc:Choice xmlns:p14="http://schemas.microsoft.com/office/powerpoint/2010/main" Requires="p14">
+  <mc:AlternateContent xmlns:mc="http://schemas.openxmlformats.org/markup-compatibility/2006" xmlns:p14="http://schemas.microsoft.com/office/powerpoint/2010/main">
+    <mc:Choice Requires="p14">
       <p:transition spd="med" p14:dur="700">
         <p:fade/>
       </p:transition>
     </mc:Choice>
-    <mc:Fallback>
+    <mc:Fallback xmlns="">
       <p:transition spd="med">
         <p:fade/>
       </p:transition>
@@ -2707,8 +3050,8 @@
         </p:nvSpPr>
         <p:spPr>
           <a:xfrm>
-            <a:off x="292100" y="501384"/>
-            <a:ext cx="8559800" cy="748245"/>
+            <a:off x="292100" y="525841"/>
+            <a:ext cx="8559800" cy="754723"/>
           </a:xfrm>
         </p:spPr>
         <p:txBody>
@@ -2718,32 +3061,163 @@
             <a:pPr algn="ctr"/>
             <a:r>
               <a:rPr lang="en-US" dirty="0" smtClean="0"/>
-              <a:t>F# is fully .NET</a:t>
-            </a:r>
-            <a:br>
-              <a:rPr lang="en-US" dirty="0" smtClean="0"/>
-            </a:br>
+              <a:t>Uses many familiar .NET types</a:t>
+            </a:r>
             <a:endParaRPr lang="en-US" dirty="0"/>
+          </a:p>
+        </p:txBody>
+      </p:sp>
+      <p:sp>
+        <p:nvSpPr>
+          <p:cNvPr id="2" name="TextBox 1"/>
+          <p:cNvSpPr txBox="1"/>
+          <p:nvPr/>
+        </p:nvSpPr>
+        <p:spPr>
+          <a:xfrm>
+            <a:off x="5254874" y="1734870"/>
+            <a:ext cx="3898899" cy="4524315"/>
+          </a:xfrm>
+          <a:prstGeom prst="rect">
+            <a:avLst/>
+          </a:prstGeom>
+          <a:noFill/>
+        </p:spPr>
+        <p:txBody>
+          <a:bodyPr wrap="square" rtlCol="0">
+            <a:spAutoFit/>
+          </a:bodyPr>
+          <a:lstStyle/>
+          <a:p>
+            <a:r>
+              <a:rPr lang="en-US" sz="3200" dirty="0" smtClean="0">
+                <a:solidFill>
+                  <a:schemeClr val="tx1">
+                    <a:lumMod val="65000"/>
+                  </a:schemeClr>
+                </a:solidFill>
+                <a:latin typeface="Envy Code R" panose="02000509000000020004" pitchFamily="49" charset="0"/>
+              </a:rPr>
+              <a:t>open System</a:t>
+            </a:r>
+          </a:p>
+          <a:p>
+            <a:endParaRPr lang="en-US" sz="3200" dirty="0" smtClean="0">
+              <a:latin typeface="Envy Code R" panose="02000509000000020004" pitchFamily="49" charset="0"/>
+            </a:endParaRPr>
+          </a:p>
+          <a:p>
+            <a:pPr marL="457200" indent="-457200">
+              <a:buFont typeface="Wingdings" panose="05000000000000000000" pitchFamily="2" charset="2"/>
+              <a:buChar char="§"/>
+            </a:pPr>
+            <a:r>
+              <a:rPr lang="en-US" sz="3200" dirty="0" smtClean="0">
+                <a:latin typeface="Envy Code R" panose="02000509000000020004" pitchFamily="49" charset="0"/>
+              </a:rPr>
+              <a:t>string</a:t>
+            </a:r>
+          </a:p>
+          <a:p>
+            <a:pPr marL="457200" indent="-457200">
+              <a:buFont typeface="Wingdings" panose="05000000000000000000" pitchFamily="2" charset="2"/>
+              <a:buChar char="§"/>
+            </a:pPr>
+            <a:r>
+              <a:rPr lang="en-US" sz="3200" dirty="0" smtClean="0">
+                <a:latin typeface="Envy Code R" panose="02000509000000020004" pitchFamily="49" charset="0"/>
+              </a:rPr>
+              <a:t>char</a:t>
+            </a:r>
+          </a:p>
+          <a:p>
+            <a:pPr marL="457200" indent="-457200">
+              <a:buFont typeface="Wingdings" panose="05000000000000000000" pitchFamily="2" charset="2"/>
+              <a:buChar char="§"/>
+            </a:pPr>
+            <a:r>
+              <a:rPr lang="en-US" sz="3200" dirty="0" smtClean="0">
+                <a:latin typeface="Envy Code R" panose="02000509000000020004" pitchFamily="49" charset="0"/>
+              </a:rPr>
+              <a:t>byte</a:t>
+            </a:r>
+          </a:p>
+          <a:p>
+            <a:pPr marL="457200" indent="-457200">
+              <a:buFont typeface="Wingdings" panose="05000000000000000000" pitchFamily="2" charset="2"/>
+              <a:buChar char="§"/>
+            </a:pPr>
+            <a:r>
+              <a:rPr lang="en-US" sz="3200" dirty="0" err="1" smtClean="0">
+                <a:latin typeface="Envy Code R" panose="02000509000000020004" pitchFamily="49" charset="0"/>
+              </a:rPr>
+              <a:t>int</a:t>
+            </a:r>
+            <a:r>
+              <a:rPr lang="en-US" sz="3200" dirty="0" smtClean="0">
+                <a:latin typeface="Envy Code R" panose="02000509000000020004" pitchFamily="49" charset="0"/>
+              </a:rPr>
+              <a:t> (16,32,64)</a:t>
+            </a:r>
+          </a:p>
+          <a:p>
+            <a:pPr marL="457200" indent="-457200">
+              <a:buFont typeface="Wingdings" panose="05000000000000000000" pitchFamily="2" charset="2"/>
+              <a:buChar char="§"/>
+            </a:pPr>
+            <a:r>
+              <a:rPr lang="en-US" sz="3200" dirty="0" err="1" smtClean="0">
+                <a:latin typeface="Envy Code R" panose="02000509000000020004" pitchFamily="49" charset="0"/>
+              </a:rPr>
+              <a:t>enum</a:t>
+            </a:r>
+            <a:endParaRPr lang="en-US" sz="3200" dirty="0" smtClean="0">
+              <a:latin typeface="Envy Code R" panose="02000509000000020004" pitchFamily="49" charset="0"/>
+            </a:endParaRPr>
+          </a:p>
+          <a:p>
+            <a:pPr marL="457200" indent="-457200">
+              <a:buFont typeface="Wingdings" panose="05000000000000000000" pitchFamily="2" charset="2"/>
+              <a:buChar char="§"/>
+            </a:pPr>
+            <a:r>
+              <a:rPr lang="en-US" sz="3200" dirty="0" smtClean="0">
+                <a:latin typeface="Envy Code R" panose="02000509000000020004" pitchFamily="49" charset="0"/>
+              </a:rPr>
+              <a:t>object</a:t>
+            </a:r>
+          </a:p>
+          <a:p>
+            <a:pPr marL="457200" indent="-457200">
+              <a:buFont typeface="Wingdings" panose="05000000000000000000" pitchFamily="2" charset="2"/>
+              <a:buChar char="§"/>
+            </a:pPr>
+            <a:r>
+              <a:rPr lang="en-US" sz="3200" i="1" dirty="0" smtClean="0">
+                <a:latin typeface="Envy Code R" panose="02000509000000020004" pitchFamily="49" charset="0"/>
+              </a:rPr>
+              <a:t>etc.</a:t>
+            </a:r>
           </a:p>
         </p:txBody>
       </p:sp>
     </p:spTree>
     <p:extLst>
       <p:ext uri="{BB962C8B-B14F-4D97-AF65-F5344CB8AC3E}">
-        <p14:creationId xmlns:p14="http://schemas.microsoft.com/office/powerpoint/2010/main" val="1526378224"/>
+        <p14:creationId xmlns:p14="http://schemas.microsoft.com/office/powerpoint/2010/main" val="3000512203"/>
       </p:ext>
     </p:extLst>
   </p:cSld>
   <p:clrMapOvr>
     <a:masterClrMapping/>
   </p:clrMapOvr>
-  <mc:AlternateContent xmlns:mc="http://schemas.openxmlformats.org/markup-compatibility/2006">
-    <mc:Choice xmlns:p14="http://schemas.microsoft.com/office/powerpoint/2010/main" Requires="p14">
+  <mc:AlternateContent xmlns:mc="http://schemas.openxmlformats.org/markup-compatibility/2006" xmlns:p14="http://schemas.microsoft.com/office/powerpoint/2010/main">
+    <mc:Choice Requires="p14">
       <p:transition spd="med" p14:dur="700">
         <p:fade/>
       </p:transition>
     </mc:Choice>
-    <mc:Fallback>
+    <mc:Fallback xmlns="">
       <p:transition spd="med">
         <p:fade/>
       </p:transition>
@@ -2778,79 +3252,6 @@
       </p:grpSpPr>
       <p:sp>
         <p:nvSpPr>
-          <p:cNvPr id="8" name="Oval 7"/>
-          <p:cNvSpPr/>
-          <p:nvPr/>
-        </p:nvSpPr>
-        <p:spPr>
-          <a:xfrm>
-            <a:off x="5232400" y="2609850"/>
-            <a:ext cx="3492500" cy="3492500"/>
-          </a:xfrm>
-          <a:prstGeom prst="ellipse">
-            <a:avLst/>
-          </a:prstGeom>
-          <a:ln>
-            <a:noFill/>
-          </a:ln>
-        </p:spPr>
-        <p:style>
-          <a:lnRef idx="2">
-            <a:schemeClr val="accent3">
-              <a:shade val="50000"/>
-            </a:schemeClr>
-          </a:lnRef>
-          <a:fillRef idx="1">
-            <a:schemeClr val="accent3"/>
-          </a:fillRef>
-          <a:effectRef idx="0">
-            <a:schemeClr val="accent3"/>
-          </a:effectRef>
-          <a:fontRef idx="minor">
-            <a:schemeClr val="lt1"/>
-          </a:fontRef>
-        </p:style>
-        <p:txBody>
-          <a:bodyPr rtlCol="0" anchor="ctr"/>
-          <a:lstStyle/>
-          <a:p>
-            <a:pPr algn="ctr"/>
-            <a:endParaRPr lang="en-US"/>
-          </a:p>
-        </p:txBody>
-      </p:sp>
-      <p:pic>
-        <p:nvPicPr>
-          <p:cNvPr id="4" name="Picture 3"/>
-          <p:cNvPicPr>
-            <a:picLocks noChangeAspect="1"/>
-          </p:cNvPicPr>
-          <p:nvPr/>
-        </p:nvPicPr>
-        <p:blipFill>
-          <a:blip r:embed="rId2" cstate="print">
-            <a:extLst>
-              <a:ext uri="{28A0092B-C50C-407E-A947-70E740481C1C}">
-                <a14:useLocalDpi xmlns:a14="http://schemas.microsoft.com/office/drawing/2010/main" val="0"/>
-              </a:ext>
-            </a:extLst>
-          </a:blip>
-          <a:stretch>
-            <a:fillRect/>
-          </a:stretch>
-        </p:blipFill>
-        <p:spPr>
-          <a:xfrm>
-            <a:off x="5524511" y="3956494"/>
-            <a:ext cx="2908278" cy="799211"/>
-          </a:xfrm>
-          <a:prstGeom prst="rect">
-            <a:avLst/>
-          </a:prstGeom>
-        </p:spPr>
-      </p:pic>
-      <p:sp>
-        <p:nvSpPr>
           <p:cNvPr id="5" name="Rounded Rectangle 4"/>
           <p:cNvSpPr/>
           <p:nvPr/>
@@ -2940,7 +3341,7 @@
           <p:nvPr/>
         </p:nvPicPr>
         <p:blipFill>
-          <a:blip r:embed="rId3">
+          <a:blip r:embed="rId2">
             <a:extLst>
               <a:ext uri="{28A0092B-C50C-407E-A947-70E740481C1C}">
                 <a14:useLocalDpi xmlns:a14="http://schemas.microsoft.com/office/drawing/2010/main" val="0"/>
@@ -2970,7 +3371,7 @@
           <p:nvPr/>
         </p:nvPicPr>
         <p:blipFill>
-          <a:blip r:embed="rId4" cstate="print">
+          <a:blip r:embed="rId3" cstate="print">
             <a:extLst>
               <a:ext uri="{28A0092B-C50C-407E-A947-70E740481C1C}">
                 <a14:useLocalDpi xmlns:a14="http://schemas.microsoft.com/office/drawing/2010/main" val="0"/>
@@ -2989,6 +3390,9 @@
           <a:prstGeom prst="rect">
             <a:avLst/>
           </a:prstGeom>
+          <a:ln>
+            <a:noFill/>
+          </a:ln>
         </p:spPr>
       </p:pic>
       <p:sp>
@@ -3003,8 +3407,8 @@
         </p:nvSpPr>
         <p:spPr>
           <a:xfrm>
-            <a:off x="292100" y="180532"/>
-            <a:ext cx="8559800" cy="1470741"/>
+            <a:off x="292100" y="525841"/>
+            <a:ext cx="8559800" cy="754723"/>
           </a:xfrm>
         </p:spPr>
         <p:txBody>
@@ -3013,30 +3417,143 @@
           <a:p>
             <a:pPr algn="ctr"/>
             <a:r>
+              <a:rPr lang="en-US" i="1" dirty="0" smtClean="0"/>
+              <a:t>Can </a:t>
+            </a:r>
+            <a:r>
               <a:rPr lang="en-US" dirty="0" smtClean="0"/>
-              <a:t>Its provenance makes it idiomatically distinctive</a:t>
+              <a:t>use </a:t>
+            </a:r>
+            <a:r>
+              <a:rPr lang="en-US" i="1" dirty="0" smtClean="0"/>
+              <a:t>any </a:t>
+            </a:r>
+            <a:r>
+              <a:rPr lang="en-US" dirty="0" smtClean="0"/>
+              <a:t>.NET type</a:t>
             </a:r>
             <a:endParaRPr lang="en-US" dirty="0"/>
+          </a:p>
+        </p:txBody>
+      </p:sp>
+      <p:sp>
+        <p:nvSpPr>
+          <p:cNvPr id="2" name="TextBox 1"/>
+          <p:cNvSpPr txBox="1"/>
+          <p:nvPr/>
+        </p:nvSpPr>
+        <p:spPr>
+          <a:xfrm>
+            <a:off x="5301765" y="2313204"/>
+            <a:ext cx="3898899" cy="3046988"/>
+          </a:xfrm>
+          <a:prstGeom prst="rect">
+            <a:avLst/>
+          </a:prstGeom>
+          <a:noFill/>
+        </p:spPr>
+        <p:txBody>
+          <a:bodyPr wrap="square" rtlCol="0">
+            <a:spAutoFit/>
+          </a:bodyPr>
+          <a:lstStyle/>
+          <a:p>
+            <a:pPr marL="457200" indent="-457200">
+              <a:buFont typeface="Wingdings" panose="05000000000000000000" pitchFamily="2" charset="2"/>
+              <a:buChar char="§"/>
+            </a:pPr>
+            <a:r>
+              <a:rPr lang="en-US" sz="3200" dirty="0" smtClean="0">
+                <a:latin typeface="Envy Code R" panose="02000509000000020004" pitchFamily="49" charset="0"/>
+              </a:rPr>
+              <a:t>collections</a:t>
+            </a:r>
+          </a:p>
+          <a:p>
+            <a:pPr marL="457200" indent="-457200">
+              <a:buFont typeface="Wingdings" panose="05000000000000000000" pitchFamily="2" charset="2"/>
+              <a:buChar char="§"/>
+            </a:pPr>
+            <a:r>
+              <a:rPr lang="en-US" sz="3200" dirty="0" smtClean="0">
+                <a:latin typeface="Envy Code R" panose="02000509000000020004" pitchFamily="49" charset="0"/>
+              </a:rPr>
+              <a:t>expressions</a:t>
+            </a:r>
+          </a:p>
+          <a:p>
+            <a:pPr marL="457200" indent="-457200">
+              <a:buFont typeface="Wingdings" panose="05000000000000000000" pitchFamily="2" charset="2"/>
+              <a:buChar char="§"/>
+            </a:pPr>
+            <a:r>
+              <a:rPr lang="en-US" sz="3200" dirty="0" smtClean="0">
+                <a:latin typeface="Envy Code R" panose="02000509000000020004" pitchFamily="49" charset="0"/>
+              </a:rPr>
+              <a:t>web</a:t>
+            </a:r>
+          </a:p>
+          <a:p>
+            <a:pPr marL="457200" indent="-457200">
+              <a:buFont typeface="Wingdings" panose="05000000000000000000" pitchFamily="2" charset="2"/>
+              <a:buChar char="§"/>
+            </a:pPr>
+            <a:r>
+              <a:rPr lang="en-US" sz="3200" dirty="0" smtClean="0">
+                <a:latin typeface="Envy Code R" panose="02000509000000020004" pitchFamily="49" charset="0"/>
+              </a:rPr>
+              <a:t>crypto</a:t>
+            </a:r>
+          </a:p>
+          <a:p>
+            <a:pPr marL="457200" indent="-457200">
+              <a:buFont typeface="Wingdings" panose="05000000000000000000" pitchFamily="2" charset="2"/>
+              <a:buChar char="§"/>
+            </a:pPr>
+            <a:r>
+              <a:rPr lang="en-US" sz="3200" dirty="0" smtClean="0">
+                <a:latin typeface="Envy Code R" panose="02000509000000020004" pitchFamily="49" charset="0"/>
+              </a:rPr>
+              <a:t>LINQ</a:t>
+            </a:r>
+          </a:p>
+          <a:p>
+            <a:pPr marL="457200" indent="-457200">
+              <a:buFont typeface="Wingdings" panose="05000000000000000000" pitchFamily="2" charset="2"/>
+              <a:buChar char="§"/>
+            </a:pPr>
+            <a:r>
+              <a:rPr lang="en-US" sz="3200" i="1" dirty="0" smtClean="0">
+                <a:latin typeface="Envy Code R" panose="02000509000000020004" pitchFamily="49" charset="0"/>
+              </a:rPr>
+              <a:t>etc</a:t>
+            </a:r>
+            <a:r>
+              <a:rPr lang="en-US" sz="3200" dirty="0" smtClean="0">
+                <a:latin typeface="Envy Code R" panose="02000509000000020004" pitchFamily="49" charset="0"/>
+              </a:rPr>
+              <a:t>.</a:t>
+            </a:r>
           </a:p>
         </p:txBody>
       </p:sp>
     </p:spTree>
     <p:extLst>
       <p:ext uri="{BB962C8B-B14F-4D97-AF65-F5344CB8AC3E}">
-        <p14:creationId xmlns:p14="http://schemas.microsoft.com/office/powerpoint/2010/main" val="4185393364"/>
+        <p14:creationId xmlns:p14="http://schemas.microsoft.com/office/powerpoint/2010/main" val="4227584378"/>
       </p:ext>
     </p:extLst>
   </p:cSld>
   <p:clrMapOvr>
     <a:masterClrMapping/>
   </p:clrMapOvr>
-  <mc:AlternateContent xmlns:mc="http://schemas.openxmlformats.org/markup-compatibility/2006">
-    <mc:Choice xmlns:p14="http://schemas.microsoft.com/office/powerpoint/2010/main" Requires="p14">
+  <mc:AlternateContent xmlns:mc="http://schemas.openxmlformats.org/markup-compatibility/2006" xmlns:p14="http://schemas.microsoft.com/office/powerpoint/2010/main">
+    <mc:Choice Requires="p14">
       <p:transition spd="med" p14:dur="700">
         <p:fade/>
       </p:transition>
     </mc:Choice>
-    <mc:Fallback>
+    <mc:Fallback xmlns="">
       <p:transition spd="med">
         <p:fade/>
       </p:transition>
@@ -3109,13 +3626,13 @@
   <p:clrMapOvr>
     <a:masterClrMapping/>
   </p:clrMapOvr>
-  <mc:AlternateContent xmlns:mc="http://schemas.openxmlformats.org/markup-compatibility/2006">
-    <mc:Choice xmlns:p14="http://schemas.microsoft.com/office/powerpoint/2010/main" Requires="p14">
+  <mc:AlternateContent xmlns:mc="http://schemas.openxmlformats.org/markup-compatibility/2006" xmlns:p14="http://schemas.microsoft.com/office/powerpoint/2010/main">
+    <mc:Choice Requires="p14">
       <p:transition spd="slow" p14:dur="1500" advTm="10000">
         <p:fade/>
       </p:transition>
     </mc:Choice>
-    <mc:Fallback>
+    <mc:Fallback xmlns="">
       <p:transition spd="slow" advTm="10000">
         <p:fade/>
       </p:transition>
@@ -3150,6 +3667,79 @@
       </p:grpSpPr>
       <p:sp>
         <p:nvSpPr>
+          <p:cNvPr id="8" name="Oval 7"/>
+          <p:cNvSpPr/>
+          <p:nvPr/>
+        </p:nvSpPr>
+        <p:spPr>
+          <a:xfrm>
+            <a:off x="5232400" y="2609850"/>
+            <a:ext cx="3492500" cy="3492500"/>
+          </a:xfrm>
+          <a:prstGeom prst="ellipse">
+            <a:avLst/>
+          </a:prstGeom>
+          <a:ln>
+            <a:noFill/>
+          </a:ln>
+        </p:spPr>
+        <p:style>
+          <a:lnRef idx="2">
+            <a:schemeClr val="accent3">
+              <a:shade val="50000"/>
+            </a:schemeClr>
+          </a:lnRef>
+          <a:fillRef idx="1">
+            <a:schemeClr val="accent3"/>
+          </a:fillRef>
+          <a:effectRef idx="0">
+            <a:schemeClr val="accent3"/>
+          </a:effectRef>
+          <a:fontRef idx="minor">
+            <a:schemeClr val="lt1"/>
+          </a:fontRef>
+        </p:style>
+        <p:txBody>
+          <a:bodyPr rtlCol="0" anchor="ctr"/>
+          <a:lstStyle/>
+          <a:p>
+            <a:pPr algn="ctr"/>
+            <a:endParaRPr lang="en-US"/>
+          </a:p>
+        </p:txBody>
+      </p:sp>
+      <p:pic>
+        <p:nvPicPr>
+          <p:cNvPr id="4" name="Picture 3"/>
+          <p:cNvPicPr>
+            <a:picLocks noChangeAspect="1"/>
+          </p:cNvPicPr>
+          <p:nvPr/>
+        </p:nvPicPr>
+        <p:blipFill>
+          <a:blip r:embed="rId2" cstate="print">
+            <a:extLst>
+              <a:ext uri="{28A0092B-C50C-407E-A947-70E740481C1C}">
+                <a14:useLocalDpi xmlns:a14="http://schemas.microsoft.com/office/drawing/2010/main" val="0"/>
+              </a:ext>
+            </a:extLst>
+          </a:blip>
+          <a:stretch>
+            <a:fillRect/>
+          </a:stretch>
+        </p:blipFill>
+        <p:spPr>
+          <a:xfrm>
+            <a:off x="5524511" y="3956494"/>
+            <a:ext cx="2908278" cy="799211"/>
+          </a:xfrm>
+          <a:prstGeom prst="rect">
+            <a:avLst/>
+          </a:prstGeom>
+        </p:spPr>
+      </p:pic>
+      <p:sp>
+        <p:nvSpPr>
           <p:cNvPr id="5" name="Rounded Rectangle 4"/>
           <p:cNvSpPr/>
           <p:nvPr/>
@@ -3239,7 +3829,7 @@
           <p:nvPr/>
         </p:nvPicPr>
         <p:blipFill>
-          <a:blip r:embed="rId2">
+          <a:blip r:embed="rId3">
             <a:extLst>
               <a:ext uri="{28A0092B-C50C-407E-A947-70E740481C1C}">
                 <a14:useLocalDpi xmlns:a14="http://schemas.microsoft.com/office/drawing/2010/main" val="0"/>
@@ -3269,7 +3859,7 @@
           <p:nvPr/>
         </p:nvPicPr>
         <p:blipFill>
-          <a:blip r:embed="rId3" cstate="print">
+          <a:blip r:embed="rId4" cstate="print">
             <a:extLst>
               <a:ext uri="{28A0092B-C50C-407E-A947-70E740481C1C}">
                 <a14:useLocalDpi xmlns:a14="http://schemas.microsoft.com/office/drawing/2010/main" val="0"/>
@@ -3302,8 +3892,8 @@
         </p:nvSpPr>
         <p:spPr>
           <a:xfrm>
-            <a:off x="292100" y="525841"/>
-            <a:ext cx="8559800" cy="754723"/>
+            <a:off x="292100" y="459295"/>
+            <a:ext cx="8559800" cy="913215"/>
           </a:xfrm>
         </p:spPr>
         <p:txBody>
@@ -3313,170 +3903,29 @@
             <a:pPr algn="ctr"/>
             <a:r>
               <a:rPr lang="en-US" dirty="0" smtClean="0"/>
-              <a:t>Uses many familiar .NET </a:t>
-            </a:r>
-            <a:r>
-              <a:rPr lang="en-US" dirty="0" smtClean="0"/>
-              <a:t>types</a:t>
+              <a:t>Idiomatically Distinct</a:t>
             </a:r>
             <a:endParaRPr lang="en-US" dirty="0"/>
-          </a:p>
-        </p:txBody>
-      </p:sp>
-      <p:sp>
-        <p:nvSpPr>
-          <p:cNvPr id="2" name="TextBox 1"/>
-          <p:cNvSpPr txBox="1"/>
-          <p:nvPr/>
-        </p:nvSpPr>
-        <p:spPr>
-          <a:xfrm>
-            <a:off x="5254874" y="1734870"/>
-            <a:ext cx="3898899" cy="4524315"/>
-          </a:xfrm>
-          <a:prstGeom prst="rect">
-            <a:avLst/>
-          </a:prstGeom>
-          <a:noFill/>
-        </p:spPr>
-        <p:txBody>
-          <a:bodyPr wrap="square" rtlCol="0">
-            <a:spAutoFit/>
-          </a:bodyPr>
-          <a:lstStyle/>
-          <a:p>
-            <a:r>
-              <a:rPr lang="en-US" sz="3200" dirty="0" smtClean="0">
-                <a:solidFill>
-                  <a:schemeClr val="tx1">
-                    <a:lumMod val="65000"/>
-                  </a:schemeClr>
-                </a:solidFill>
-                <a:latin typeface="Envy Code R" panose="02000509000000020004" pitchFamily="49" charset="0"/>
-              </a:rPr>
-              <a:t>open System</a:t>
-            </a:r>
-          </a:p>
-          <a:p>
-            <a:endParaRPr lang="en-US" sz="3200" dirty="0" smtClean="0">
-              <a:latin typeface="Envy Code R" panose="02000509000000020004" pitchFamily="49" charset="0"/>
-            </a:endParaRPr>
-          </a:p>
-          <a:p>
-            <a:pPr marL="457200" indent="-457200">
-              <a:buFont typeface="Wingdings" panose="05000000000000000000" pitchFamily="2" charset="2"/>
-              <a:buChar char="§"/>
-            </a:pPr>
-            <a:r>
-              <a:rPr lang="en-US" sz="3200" dirty="0" smtClean="0">
-                <a:latin typeface="Envy Code R" panose="02000509000000020004" pitchFamily="49" charset="0"/>
-              </a:rPr>
-              <a:t>string</a:t>
-            </a:r>
-            <a:endParaRPr lang="en-US" sz="3200" dirty="0" smtClean="0">
-              <a:latin typeface="Envy Code R" panose="02000509000000020004" pitchFamily="49" charset="0"/>
-            </a:endParaRPr>
-          </a:p>
-          <a:p>
-            <a:pPr marL="457200" indent="-457200">
-              <a:buFont typeface="Wingdings" panose="05000000000000000000" pitchFamily="2" charset="2"/>
-              <a:buChar char="§"/>
-            </a:pPr>
-            <a:r>
-              <a:rPr lang="en-US" sz="3200" dirty="0" smtClean="0">
-                <a:latin typeface="Envy Code R" panose="02000509000000020004" pitchFamily="49" charset="0"/>
-              </a:rPr>
-              <a:t>char</a:t>
-            </a:r>
-          </a:p>
-          <a:p>
-            <a:pPr marL="457200" indent="-457200">
-              <a:buFont typeface="Wingdings" panose="05000000000000000000" pitchFamily="2" charset="2"/>
-              <a:buChar char="§"/>
-            </a:pPr>
-            <a:r>
-              <a:rPr lang="en-US" sz="3200" dirty="0" smtClean="0">
-                <a:latin typeface="Envy Code R" panose="02000509000000020004" pitchFamily="49" charset="0"/>
-              </a:rPr>
-              <a:t>byte</a:t>
-            </a:r>
-          </a:p>
-          <a:p>
-            <a:pPr marL="457200" indent="-457200">
-              <a:buFont typeface="Wingdings" panose="05000000000000000000" pitchFamily="2" charset="2"/>
-              <a:buChar char="§"/>
-            </a:pPr>
-            <a:r>
-              <a:rPr lang="en-US" sz="3200" dirty="0" err="1" smtClean="0">
-                <a:latin typeface="Envy Code R" panose="02000509000000020004" pitchFamily="49" charset="0"/>
-              </a:rPr>
-              <a:t>int</a:t>
-            </a:r>
-            <a:r>
-              <a:rPr lang="en-US" sz="3200" dirty="0" smtClean="0">
-                <a:latin typeface="Envy Code R" panose="02000509000000020004" pitchFamily="49" charset="0"/>
-              </a:rPr>
-              <a:t> (16,32,64)</a:t>
-            </a:r>
-          </a:p>
-          <a:p>
-            <a:pPr marL="457200" indent="-457200">
-              <a:buFont typeface="Wingdings" panose="05000000000000000000" pitchFamily="2" charset="2"/>
-              <a:buChar char="§"/>
-            </a:pPr>
-            <a:r>
-              <a:rPr lang="en-US" sz="3200" dirty="0" err="1" smtClean="0">
-                <a:latin typeface="Envy Code R" panose="02000509000000020004" pitchFamily="49" charset="0"/>
-              </a:rPr>
-              <a:t>enum</a:t>
-            </a:r>
-            <a:endParaRPr lang="en-US" sz="3200" dirty="0" smtClean="0">
-              <a:latin typeface="Envy Code R" panose="02000509000000020004" pitchFamily="49" charset="0"/>
-            </a:endParaRPr>
-          </a:p>
-          <a:p>
-            <a:pPr marL="457200" indent="-457200">
-              <a:buFont typeface="Wingdings" panose="05000000000000000000" pitchFamily="2" charset="2"/>
-              <a:buChar char="§"/>
-            </a:pPr>
-            <a:r>
-              <a:rPr lang="en-US" sz="3200" dirty="0" smtClean="0">
-                <a:latin typeface="Envy Code R" panose="02000509000000020004" pitchFamily="49" charset="0"/>
-              </a:rPr>
-              <a:t>object</a:t>
-            </a:r>
-          </a:p>
-          <a:p>
-            <a:pPr marL="457200" indent="-457200">
-              <a:buFont typeface="Wingdings" panose="05000000000000000000" pitchFamily="2" charset="2"/>
-              <a:buChar char="§"/>
-            </a:pPr>
-            <a:r>
-              <a:rPr lang="en-US" sz="3200" i="1" dirty="0" smtClean="0">
-                <a:latin typeface="Envy Code R" panose="02000509000000020004" pitchFamily="49" charset="0"/>
-              </a:rPr>
-              <a:t>etc.</a:t>
-            </a:r>
           </a:p>
         </p:txBody>
       </p:sp>
     </p:spTree>
     <p:extLst>
       <p:ext uri="{BB962C8B-B14F-4D97-AF65-F5344CB8AC3E}">
-        <p14:creationId xmlns:p14="http://schemas.microsoft.com/office/powerpoint/2010/main" val="3000512203"/>
+        <p14:creationId xmlns:p14="http://schemas.microsoft.com/office/powerpoint/2010/main" val="1135258345"/>
       </p:ext>
     </p:extLst>
   </p:cSld>
   <p:clrMapOvr>
     <a:masterClrMapping/>
   </p:clrMapOvr>
-  <mc:AlternateContent xmlns:mc="http://schemas.openxmlformats.org/markup-compatibility/2006">
-    <mc:Choice xmlns:p14="http://schemas.microsoft.com/office/powerpoint/2010/main" Requires="p14">
+  <mc:AlternateContent xmlns:mc="http://schemas.openxmlformats.org/markup-compatibility/2006" xmlns:p14="http://schemas.microsoft.com/office/powerpoint/2010/main">
+    <mc:Choice Requires="p14">
       <p:transition spd="med" p14:dur="700">
         <p:fade/>
       </p:transition>
     </mc:Choice>
-    <mc:Fallback>
+    <mc:Fallback xmlns="">
       <p:transition spd="med">
         <p:fade/>
       </p:transition>
@@ -3511,639 +3960,6 @@
       </p:grpSpPr>
       <p:sp>
         <p:nvSpPr>
-          <p:cNvPr id="5" name="Rounded Rectangle 4"/>
-          <p:cNvSpPr/>
-          <p:nvPr/>
-        </p:nvSpPr>
-        <p:spPr>
-          <a:xfrm>
-            <a:off x="307975" y="1568894"/>
-            <a:ext cx="4775200" cy="4775200"/>
-          </a:xfrm>
-          <a:prstGeom prst="roundRect">
-            <a:avLst/>
-          </a:prstGeom>
-          <a:ln>
-            <a:noFill/>
-          </a:ln>
-        </p:spPr>
-        <p:style>
-          <a:lnRef idx="1">
-            <a:schemeClr val="accent6"/>
-          </a:lnRef>
-          <a:fillRef idx="1002">
-            <a:schemeClr val="lt2"/>
-          </a:fillRef>
-          <a:effectRef idx="1">
-            <a:schemeClr val="accent6"/>
-          </a:effectRef>
-          <a:fontRef idx="minor">
-            <a:schemeClr val="dk1"/>
-          </a:fontRef>
-        </p:style>
-        <p:txBody>
-          <a:bodyPr rtlCol="0" anchor="ctr"/>
-          <a:lstStyle/>
-          <a:p>
-            <a:pPr algn="ctr"/>
-            <a:endParaRPr lang="en-US"/>
-          </a:p>
-        </p:txBody>
-      </p:sp>
-      <p:sp>
-        <p:nvSpPr>
-          <p:cNvPr id="6" name="Oval 5"/>
-          <p:cNvSpPr/>
-          <p:nvPr/>
-        </p:nvSpPr>
-        <p:spPr>
-          <a:xfrm>
-            <a:off x="1571403" y="2711449"/>
-            <a:ext cx="3362547" cy="3362547"/>
-          </a:xfrm>
-          <a:prstGeom prst="ellipse">
-            <a:avLst/>
-          </a:prstGeom>
-          <a:ln>
-            <a:noFill/>
-          </a:ln>
-        </p:spPr>
-        <p:style>
-          <a:lnRef idx="1">
-            <a:schemeClr val="accent3"/>
-          </a:lnRef>
-          <a:fillRef idx="2">
-            <a:schemeClr val="accent3"/>
-          </a:fillRef>
-          <a:effectRef idx="1">
-            <a:schemeClr val="accent3"/>
-          </a:effectRef>
-          <a:fontRef idx="minor">
-            <a:schemeClr val="dk1"/>
-          </a:fontRef>
-        </p:style>
-        <p:txBody>
-          <a:bodyPr rtlCol="0" anchor="ctr"/>
-          <a:lstStyle/>
-          <a:p>
-            <a:pPr algn="ctr"/>
-            <a:endParaRPr lang="en-US"/>
-          </a:p>
-        </p:txBody>
-      </p:sp>
-      <p:pic>
-        <p:nvPicPr>
-          <p:cNvPr id="7" name="Picture 6"/>
-          <p:cNvPicPr>
-            <a:picLocks noChangeAspect="1"/>
-          </p:cNvPicPr>
-          <p:nvPr/>
-        </p:nvPicPr>
-        <p:blipFill>
-          <a:blip r:embed="rId2">
-            <a:extLst>
-              <a:ext uri="{28A0092B-C50C-407E-A947-70E740481C1C}">
-                <a14:useLocalDpi xmlns:a14="http://schemas.microsoft.com/office/drawing/2010/main" val="0"/>
-              </a:ext>
-            </a:extLst>
-          </a:blip>
-          <a:stretch>
-            <a:fillRect/>
-          </a:stretch>
-        </p:blipFill>
-        <p:spPr>
-          <a:xfrm>
-            <a:off x="949298" y="1838421"/>
-            <a:ext cx="3123809" cy="771429"/>
-          </a:xfrm>
-          <a:prstGeom prst="rect">
-            <a:avLst/>
-          </a:prstGeom>
-        </p:spPr>
-      </p:pic>
-      <p:pic>
-        <p:nvPicPr>
-          <p:cNvPr id="9" name="Picture 8"/>
-          <p:cNvPicPr>
-            <a:picLocks noChangeAspect="1"/>
-          </p:cNvPicPr>
-          <p:nvPr/>
-        </p:nvPicPr>
-        <p:blipFill>
-          <a:blip r:embed="rId3" cstate="print">
-            <a:extLst>
-              <a:ext uri="{28A0092B-C50C-407E-A947-70E740481C1C}">
-                <a14:useLocalDpi xmlns:a14="http://schemas.microsoft.com/office/drawing/2010/main" val="0"/>
-              </a:ext>
-            </a:extLst>
-          </a:blip>
-          <a:stretch>
-            <a:fillRect/>
-          </a:stretch>
-        </p:blipFill>
-        <p:spPr>
-          <a:xfrm>
-            <a:off x="2108248" y="3194049"/>
-            <a:ext cx="2324100" cy="2324100"/>
-          </a:xfrm>
-          <a:prstGeom prst="rect">
-            <a:avLst/>
-          </a:prstGeom>
-          <a:ln>
-            <a:noFill/>
-          </a:ln>
-        </p:spPr>
-      </p:pic>
-      <p:sp>
-        <p:nvSpPr>
-          <p:cNvPr id="11" name="Title 1"/>
-          <p:cNvSpPr>
-            <a:spLocks noGrp="1"/>
-          </p:cNvSpPr>
-          <p:nvPr>
-            <p:ph type="title"/>
-          </p:nvPr>
-        </p:nvSpPr>
-        <p:spPr>
-          <a:xfrm>
-            <a:off x="292100" y="525841"/>
-            <a:ext cx="8559800" cy="754723"/>
-          </a:xfrm>
-        </p:spPr>
-        <p:txBody>
-          <a:bodyPr/>
-          <a:lstStyle/>
-          <a:p>
-            <a:pPr algn="ctr"/>
-            <a:r>
-              <a:rPr lang="en-US" i="1" dirty="0" smtClean="0"/>
-              <a:t>Can </a:t>
-            </a:r>
-            <a:r>
-              <a:rPr lang="en-US" dirty="0" smtClean="0"/>
-              <a:t>use </a:t>
-            </a:r>
-            <a:r>
-              <a:rPr lang="en-US" i="1" dirty="0" smtClean="0"/>
-              <a:t>any </a:t>
-            </a:r>
-            <a:r>
-              <a:rPr lang="en-US" dirty="0" smtClean="0"/>
-              <a:t>.NET type</a:t>
-            </a:r>
-            <a:endParaRPr lang="en-US" dirty="0"/>
-          </a:p>
-        </p:txBody>
-      </p:sp>
-      <p:sp>
-        <p:nvSpPr>
-          <p:cNvPr id="2" name="TextBox 1"/>
-          <p:cNvSpPr txBox="1"/>
-          <p:nvPr/>
-        </p:nvSpPr>
-        <p:spPr>
-          <a:xfrm>
-            <a:off x="5301765" y="2313204"/>
-            <a:ext cx="3898899" cy="3046988"/>
-          </a:xfrm>
-          <a:prstGeom prst="rect">
-            <a:avLst/>
-          </a:prstGeom>
-          <a:noFill/>
-        </p:spPr>
-        <p:txBody>
-          <a:bodyPr wrap="square" rtlCol="0">
-            <a:spAutoFit/>
-          </a:bodyPr>
-          <a:lstStyle/>
-          <a:p>
-            <a:pPr marL="457200" indent="-457200">
-              <a:buFont typeface="Wingdings" panose="05000000000000000000" pitchFamily="2" charset="2"/>
-              <a:buChar char="§"/>
-            </a:pPr>
-            <a:r>
-              <a:rPr lang="en-US" sz="3200" dirty="0" smtClean="0">
-                <a:latin typeface="Envy Code R" panose="02000509000000020004" pitchFamily="49" charset="0"/>
-              </a:rPr>
-              <a:t>collections</a:t>
-            </a:r>
-          </a:p>
-          <a:p>
-            <a:pPr marL="457200" indent="-457200">
-              <a:buFont typeface="Wingdings" panose="05000000000000000000" pitchFamily="2" charset="2"/>
-              <a:buChar char="§"/>
-            </a:pPr>
-            <a:r>
-              <a:rPr lang="en-US" sz="3200" dirty="0" smtClean="0">
-                <a:latin typeface="Envy Code R" panose="02000509000000020004" pitchFamily="49" charset="0"/>
-              </a:rPr>
-              <a:t>expressions</a:t>
-            </a:r>
-          </a:p>
-          <a:p>
-            <a:pPr marL="457200" indent="-457200">
-              <a:buFont typeface="Wingdings" panose="05000000000000000000" pitchFamily="2" charset="2"/>
-              <a:buChar char="§"/>
-            </a:pPr>
-            <a:r>
-              <a:rPr lang="en-US" sz="3200" dirty="0" smtClean="0">
-                <a:latin typeface="Envy Code R" panose="02000509000000020004" pitchFamily="49" charset="0"/>
-              </a:rPr>
-              <a:t>web</a:t>
-            </a:r>
-          </a:p>
-          <a:p>
-            <a:pPr marL="457200" indent="-457200">
-              <a:buFont typeface="Wingdings" panose="05000000000000000000" pitchFamily="2" charset="2"/>
-              <a:buChar char="§"/>
-            </a:pPr>
-            <a:r>
-              <a:rPr lang="en-US" sz="3200" dirty="0" smtClean="0">
-                <a:latin typeface="Envy Code R" panose="02000509000000020004" pitchFamily="49" charset="0"/>
-              </a:rPr>
-              <a:t>crypto</a:t>
-            </a:r>
-          </a:p>
-          <a:p>
-            <a:pPr marL="457200" indent="-457200">
-              <a:buFont typeface="Wingdings" panose="05000000000000000000" pitchFamily="2" charset="2"/>
-              <a:buChar char="§"/>
-            </a:pPr>
-            <a:r>
-              <a:rPr lang="en-US" sz="3200" dirty="0" smtClean="0">
-                <a:latin typeface="Envy Code R" panose="02000509000000020004" pitchFamily="49" charset="0"/>
-              </a:rPr>
-              <a:t>LINQ</a:t>
-            </a:r>
-          </a:p>
-          <a:p>
-            <a:pPr marL="457200" indent="-457200">
-              <a:buFont typeface="Wingdings" panose="05000000000000000000" pitchFamily="2" charset="2"/>
-              <a:buChar char="§"/>
-            </a:pPr>
-            <a:r>
-              <a:rPr lang="en-US" sz="3200" i="1" dirty="0" smtClean="0">
-                <a:latin typeface="Envy Code R" panose="02000509000000020004" pitchFamily="49" charset="0"/>
-              </a:rPr>
-              <a:t>etc</a:t>
-            </a:r>
-            <a:r>
-              <a:rPr lang="en-US" sz="3200" dirty="0" smtClean="0">
-                <a:latin typeface="Envy Code R" panose="02000509000000020004" pitchFamily="49" charset="0"/>
-              </a:rPr>
-              <a:t>.</a:t>
-            </a:r>
-          </a:p>
-        </p:txBody>
-      </p:sp>
-    </p:spTree>
-    <p:extLst>
-      <p:ext uri="{BB962C8B-B14F-4D97-AF65-F5344CB8AC3E}">
-        <p14:creationId xmlns:p14="http://schemas.microsoft.com/office/powerpoint/2010/main" val="4227584378"/>
-      </p:ext>
-    </p:extLst>
-  </p:cSld>
-  <p:clrMapOvr>
-    <a:masterClrMapping/>
-  </p:clrMapOvr>
-  <mc:AlternateContent xmlns:mc="http://schemas.openxmlformats.org/markup-compatibility/2006">
-    <mc:Choice xmlns:p14="http://schemas.microsoft.com/office/powerpoint/2010/main" Requires="p14">
-      <p:transition spd="med" p14:dur="700">
-        <p:fade/>
-      </p:transition>
-    </mc:Choice>
-    <mc:Fallback>
-      <p:transition spd="med">
-        <p:fade/>
-      </p:transition>
-    </mc:Fallback>
-  </mc:AlternateContent>
-  <p:timing>
-    <p:tnLst>
-      <p:par>
-        <p:cTn id="1" dur="indefinite" restart="never" nodeType="tmRoot"/>
-      </p:par>
-    </p:tnLst>
-  </p:timing>
-</p:sld>
-</file>
-
-<file path=ppt/slides/slide22.xml><?xml version="1.0" encoding="utf-8"?>
-<p:sld xmlns:a="http://schemas.openxmlformats.org/drawingml/2006/main" xmlns:r="http://schemas.openxmlformats.org/officeDocument/2006/relationships" xmlns:p="http://schemas.openxmlformats.org/presentationml/2006/main">
-  <p:cSld>
-    <p:spTree>
-      <p:nvGrpSpPr>
-        <p:cNvPr id="1" name=""/>
-        <p:cNvGrpSpPr/>
-        <p:nvPr/>
-      </p:nvGrpSpPr>
-      <p:grpSpPr>
-        <a:xfrm>
-          <a:off x="0" y="0"/>
-          <a:ext cx="0" cy="0"/>
-          <a:chOff x="0" y="0"/>
-          <a:chExt cx="0" cy="0"/>
-        </a:xfrm>
-      </p:grpSpPr>
-      <p:sp>
-        <p:nvSpPr>
-          <p:cNvPr id="8" name="Oval 7"/>
-          <p:cNvSpPr/>
-          <p:nvPr/>
-        </p:nvSpPr>
-        <p:spPr>
-          <a:xfrm>
-            <a:off x="5232400" y="2609850"/>
-            <a:ext cx="3492500" cy="3492500"/>
-          </a:xfrm>
-          <a:prstGeom prst="ellipse">
-            <a:avLst/>
-          </a:prstGeom>
-          <a:ln>
-            <a:noFill/>
-          </a:ln>
-        </p:spPr>
-        <p:style>
-          <a:lnRef idx="2">
-            <a:schemeClr val="accent3">
-              <a:shade val="50000"/>
-            </a:schemeClr>
-          </a:lnRef>
-          <a:fillRef idx="1">
-            <a:schemeClr val="accent3"/>
-          </a:fillRef>
-          <a:effectRef idx="0">
-            <a:schemeClr val="accent3"/>
-          </a:effectRef>
-          <a:fontRef idx="minor">
-            <a:schemeClr val="lt1"/>
-          </a:fontRef>
-        </p:style>
-        <p:txBody>
-          <a:bodyPr rtlCol="0" anchor="ctr"/>
-          <a:lstStyle/>
-          <a:p>
-            <a:pPr algn="ctr"/>
-            <a:endParaRPr lang="en-US"/>
-          </a:p>
-        </p:txBody>
-      </p:sp>
-      <p:pic>
-        <p:nvPicPr>
-          <p:cNvPr id="4" name="Picture 3"/>
-          <p:cNvPicPr>
-            <a:picLocks noChangeAspect="1"/>
-          </p:cNvPicPr>
-          <p:nvPr/>
-        </p:nvPicPr>
-        <p:blipFill>
-          <a:blip r:embed="rId2" cstate="print">
-            <a:extLst>
-              <a:ext uri="{28A0092B-C50C-407E-A947-70E740481C1C}">
-                <a14:useLocalDpi xmlns:a14="http://schemas.microsoft.com/office/drawing/2010/main" val="0"/>
-              </a:ext>
-            </a:extLst>
-          </a:blip>
-          <a:stretch>
-            <a:fillRect/>
-          </a:stretch>
-        </p:blipFill>
-        <p:spPr>
-          <a:xfrm>
-            <a:off x="5524511" y="3956494"/>
-            <a:ext cx="2908278" cy="799211"/>
-          </a:xfrm>
-          <a:prstGeom prst="rect">
-            <a:avLst/>
-          </a:prstGeom>
-        </p:spPr>
-      </p:pic>
-      <p:sp>
-        <p:nvSpPr>
-          <p:cNvPr id="5" name="Rounded Rectangle 4"/>
-          <p:cNvSpPr/>
-          <p:nvPr/>
-        </p:nvSpPr>
-        <p:spPr>
-          <a:xfrm>
-            <a:off x="307975" y="1568894"/>
-            <a:ext cx="4775200" cy="4775200"/>
-          </a:xfrm>
-          <a:prstGeom prst="roundRect">
-            <a:avLst/>
-          </a:prstGeom>
-          <a:ln>
-            <a:noFill/>
-          </a:ln>
-        </p:spPr>
-        <p:style>
-          <a:lnRef idx="1">
-            <a:schemeClr val="accent6"/>
-          </a:lnRef>
-          <a:fillRef idx="1002">
-            <a:schemeClr val="lt2"/>
-          </a:fillRef>
-          <a:effectRef idx="1">
-            <a:schemeClr val="accent6"/>
-          </a:effectRef>
-          <a:fontRef idx="minor">
-            <a:schemeClr val="dk1"/>
-          </a:fontRef>
-        </p:style>
-        <p:txBody>
-          <a:bodyPr rtlCol="0" anchor="ctr"/>
-          <a:lstStyle/>
-          <a:p>
-            <a:pPr algn="ctr"/>
-            <a:endParaRPr lang="en-US"/>
-          </a:p>
-        </p:txBody>
-      </p:sp>
-      <p:sp>
-        <p:nvSpPr>
-          <p:cNvPr id="6" name="Oval 5"/>
-          <p:cNvSpPr/>
-          <p:nvPr/>
-        </p:nvSpPr>
-        <p:spPr>
-          <a:xfrm>
-            <a:off x="1571403" y="2711449"/>
-            <a:ext cx="3362547" cy="3362547"/>
-          </a:xfrm>
-          <a:prstGeom prst="ellipse">
-            <a:avLst/>
-          </a:prstGeom>
-          <a:ln>
-            <a:noFill/>
-          </a:ln>
-        </p:spPr>
-        <p:style>
-          <a:lnRef idx="1">
-            <a:schemeClr val="accent3"/>
-          </a:lnRef>
-          <a:fillRef idx="2">
-            <a:schemeClr val="accent3"/>
-          </a:fillRef>
-          <a:effectRef idx="1">
-            <a:schemeClr val="accent3"/>
-          </a:effectRef>
-          <a:fontRef idx="minor">
-            <a:schemeClr val="dk1"/>
-          </a:fontRef>
-        </p:style>
-        <p:txBody>
-          <a:bodyPr rtlCol="0" anchor="ctr"/>
-          <a:lstStyle/>
-          <a:p>
-            <a:pPr algn="ctr"/>
-            <a:endParaRPr lang="en-US"/>
-          </a:p>
-        </p:txBody>
-      </p:sp>
-      <p:pic>
-        <p:nvPicPr>
-          <p:cNvPr id="7" name="Picture 6"/>
-          <p:cNvPicPr>
-            <a:picLocks noChangeAspect="1"/>
-          </p:cNvPicPr>
-          <p:nvPr/>
-        </p:nvPicPr>
-        <p:blipFill>
-          <a:blip r:embed="rId3">
-            <a:extLst>
-              <a:ext uri="{28A0092B-C50C-407E-A947-70E740481C1C}">
-                <a14:useLocalDpi xmlns:a14="http://schemas.microsoft.com/office/drawing/2010/main" val="0"/>
-              </a:ext>
-            </a:extLst>
-          </a:blip>
-          <a:stretch>
-            <a:fillRect/>
-          </a:stretch>
-        </p:blipFill>
-        <p:spPr>
-          <a:xfrm>
-            <a:off x="949298" y="1838421"/>
-            <a:ext cx="3123809" cy="771429"/>
-          </a:xfrm>
-          <a:prstGeom prst="rect">
-            <a:avLst/>
-          </a:prstGeom>
-        </p:spPr>
-      </p:pic>
-      <p:pic>
-        <p:nvPicPr>
-          <p:cNvPr id="9" name="Picture 8"/>
-          <p:cNvPicPr>
-            <a:picLocks noChangeAspect="1"/>
-          </p:cNvPicPr>
-          <p:nvPr/>
-        </p:nvPicPr>
-        <p:blipFill>
-          <a:blip r:embed="rId4" cstate="print">
-            <a:extLst>
-              <a:ext uri="{28A0092B-C50C-407E-A947-70E740481C1C}">
-                <a14:useLocalDpi xmlns:a14="http://schemas.microsoft.com/office/drawing/2010/main" val="0"/>
-              </a:ext>
-            </a:extLst>
-          </a:blip>
-          <a:stretch>
-            <a:fillRect/>
-          </a:stretch>
-        </p:blipFill>
-        <p:spPr>
-          <a:xfrm>
-            <a:off x="2108248" y="3194049"/>
-            <a:ext cx="2324100" cy="2324100"/>
-          </a:xfrm>
-          <a:prstGeom prst="rect">
-            <a:avLst/>
-          </a:prstGeom>
-        </p:spPr>
-      </p:pic>
-      <p:sp>
-        <p:nvSpPr>
-          <p:cNvPr id="11" name="Title 1"/>
-          <p:cNvSpPr>
-            <a:spLocks noGrp="1"/>
-          </p:cNvSpPr>
-          <p:nvPr>
-            <p:ph type="title"/>
-          </p:nvPr>
-        </p:nvSpPr>
-        <p:spPr>
-          <a:xfrm>
-            <a:off x="292100" y="459295"/>
-            <a:ext cx="8559800" cy="913215"/>
-          </a:xfrm>
-        </p:spPr>
-        <p:txBody>
-          <a:bodyPr/>
-          <a:lstStyle/>
-          <a:p>
-            <a:pPr algn="ctr"/>
-            <a:r>
-              <a:rPr lang="en-US" dirty="0" smtClean="0"/>
-              <a:t>Idiomatically </a:t>
-            </a:r>
-            <a:r>
-              <a:rPr lang="en-US" dirty="0" smtClean="0"/>
-              <a:t>Distinct</a:t>
-            </a:r>
-            <a:endParaRPr lang="en-US" dirty="0"/>
-          </a:p>
-        </p:txBody>
-      </p:sp>
-    </p:spTree>
-    <p:extLst>
-      <p:ext uri="{BB962C8B-B14F-4D97-AF65-F5344CB8AC3E}">
-        <p14:creationId xmlns:p14="http://schemas.microsoft.com/office/powerpoint/2010/main" val="1135258345"/>
-      </p:ext>
-    </p:extLst>
-  </p:cSld>
-  <p:clrMapOvr>
-    <a:masterClrMapping/>
-  </p:clrMapOvr>
-  <mc:AlternateContent xmlns:mc="http://schemas.openxmlformats.org/markup-compatibility/2006">
-    <mc:Choice xmlns:p14="http://schemas.microsoft.com/office/powerpoint/2010/main" Requires="p14">
-      <p:transition spd="med" p14:dur="700">
-        <p:fade/>
-      </p:transition>
-    </mc:Choice>
-    <mc:Fallback>
-      <p:transition spd="med">
-        <p:fade/>
-      </p:transition>
-    </mc:Fallback>
-  </mc:AlternateContent>
-  <p:timing>
-    <p:tnLst>
-      <p:par>
-        <p:cTn id="1" dur="indefinite" restart="never" nodeType="tmRoot"/>
-      </p:par>
-    </p:tnLst>
-  </p:timing>
-</p:sld>
-</file>
-
-<file path=ppt/slides/slide23.xml><?xml version="1.0" encoding="utf-8"?>
-<p:sld xmlns:a="http://schemas.openxmlformats.org/drawingml/2006/main" xmlns:r="http://schemas.openxmlformats.org/officeDocument/2006/relationships" xmlns:p="http://schemas.openxmlformats.org/presentationml/2006/main">
-  <p:cSld>
-    <p:spTree>
-      <p:nvGrpSpPr>
-        <p:cNvPr id="1" name=""/>
-        <p:cNvGrpSpPr/>
-        <p:nvPr/>
-      </p:nvGrpSpPr>
-      <p:grpSpPr>
-        <a:xfrm>
-          <a:off x="0" y="0"/>
-          <a:ext cx="0" cy="0"/>
-          <a:chOff x="0" y="0"/>
-          <a:chExt cx="0" cy="0"/>
-        </a:xfrm>
-      </p:grpSpPr>
-      <p:sp>
-        <p:nvSpPr>
           <p:cNvPr id="2" name="Title 1"/>
           <p:cNvSpPr>
             <a:spLocks noGrp="1"/>
@@ -4291,13 +4107,13 @@
   <p:clrMapOvr>
     <a:masterClrMapping/>
   </p:clrMapOvr>
-  <mc:AlternateContent xmlns:mc="http://schemas.openxmlformats.org/markup-compatibility/2006">
-    <mc:Choice xmlns:p14="http://schemas.microsoft.com/office/powerpoint/2010/main" Requires="p14">
+  <mc:AlternateContent xmlns:mc="http://schemas.openxmlformats.org/markup-compatibility/2006" xmlns:p14="http://schemas.microsoft.com/office/powerpoint/2010/main">
+    <mc:Choice Requires="p14">
       <p:transition spd="med" p14:dur="700">
         <p:fade/>
       </p:transition>
     </mc:Choice>
-    <mc:Fallback>
+    <mc:Fallback xmlns="">
       <p:transition spd="med">
         <p:fade/>
       </p:transition>
@@ -4313,7 +4129,7 @@
 </p:sld>
 </file>
 
-<file path=ppt/slides/slide24.xml><?xml version="1.0" encoding="utf-8"?>
+<file path=ppt/slides/slide22.xml><?xml version="1.0" encoding="utf-8"?>
 <p:sld xmlns:a="http://schemas.openxmlformats.org/drawingml/2006/main" xmlns:r="http://schemas.openxmlformats.org/officeDocument/2006/relationships" xmlns:p="http://schemas.openxmlformats.org/presentationml/2006/main">
   <p:cSld>
     <p:spTree>
@@ -4543,13 +4359,542 @@
   <p:clrMapOvr>
     <a:masterClrMapping/>
   </p:clrMapOvr>
-  <mc:AlternateContent xmlns:mc="http://schemas.openxmlformats.org/markup-compatibility/2006">
-    <mc:Choice xmlns:p14="http://schemas.microsoft.com/office/powerpoint/2010/main" Requires="p14">
+  <mc:AlternateContent xmlns:mc="http://schemas.openxmlformats.org/markup-compatibility/2006" xmlns:p14="http://schemas.microsoft.com/office/powerpoint/2010/main">
+    <mc:Choice Requires="p14">
       <p:transition spd="med" p14:dur="700">
         <p:fade/>
       </p:transition>
     </mc:Choice>
-    <mc:Fallback>
+    <mc:Fallback xmlns="">
+      <p:transition spd="med">
+        <p:fade/>
+      </p:transition>
+    </mc:Fallback>
+  </mc:AlternateContent>
+  <p:timing>
+    <p:tnLst>
+      <p:par>
+        <p:cTn id="1" dur="indefinite" restart="never" nodeType="tmRoot"/>
+      </p:par>
+    </p:tnLst>
+  </p:timing>
+</p:sld>
+</file>
+
+<file path=ppt/slides/slide23.xml><?xml version="1.0" encoding="utf-8"?>
+<p:sld xmlns:a="http://schemas.openxmlformats.org/drawingml/2006/main" xmlns:r="http://schemas.openxmlformats.org/officeDocument/2006/relationships" xmlns:p="http://schemas.openxmlformats.org/presentationml/2006/main">
+  <p:cSld>
+    <p:spTree>
+      <p:nvGrpSpPr>
+        <p:cNvPr id="1" name=""/>
+        <p:cNvGrpSpPr/>
+        <p:nvPr/>
+      </p:nvGrpSpPr>
+      <p:grpSpPr>
+        <a:xfrm>
+          <a:off x="0" y="0"/>
+          <a:ext cx="0" cy="0"/>
+          <a:chOff x="0" y="0"/>
+          <a:chExt cx="0" cy="0"/>
+        </a:xfrm>
+      </p:grpSpPr>
+      <p:sp>
+        <p:nvSpPr>
+          <p:cNvPr id="11" name="Title 1"/>
+          <p:cNvSpPr>
+            <a:spLocks noGrp="1"/>
+          </p:cNvSpPr>
+          <p:nvPr>
+            <p:ph type="title"/>
+          </p:nvPr>
+        </p:nvSpPr>
+        <p:spPr>
+          <a:xfrm>
+            <a:off x="292100" y="525841"/>
+            <a:ext cx="8559800" cy="754723"/>
+          </a:xfrm>
+        </p:spPr>
+        <p:txBody>
+          <a:bodyPr/>
+          <a:lstStyle/>
+          <a:p>
+            <a:pPr algn="ctr"/>
+            <a:r>
+              <a:rPr lang="en-US" dirty="0" smtClean="0"/>
+              <a:t>Has its own types</a:t>
+            </a:r>
+            <a:endParaRPr lang="en-US" dirty="0"/>
+          </a:p>
+        </p:txBody>
+      </p:sp>
+      <p:sp>
+        <p:nvSpPr>
+          <p:cNvPr id="2" name="TextBox 1"/>
+          <p:cNvSpPr txBox="1"/>
+          <p:nvPr/>
+        </p:nvSpPr>
+        <p:spPr>
+          <a:xfrm>
+            <a:off x="1168377" y="2463273"/>
+            <a:ext cx="3721112" cy="3785652"/>
+          </a:xfrm>
+          <a:prstGeom prst="rect">
+            <a:avLst/>
+          </a:prstGeom>
+          <a:noFill/>
+        </p:spPr>
+        <p:txBody>
+          <a:bodyPr wrap="square" rtlCol="0">
+            <a:spAutoFit/>
+          </a:bodyPr>
+          <a:lstStyle/>
+          <a:p>
+            <a:pPr marL="457200" indent="-457200">
+              <a:buFont typeface="Wingdings" panose="05000000000000000000" pitchFamily="2" charset="2"/>
+              <a:buChar char="§"/>
+            </a:pPr>
+            <a:r>
+              <a:rPr lang="en-US" sz="4000" dirty="0" smtClean="0">
+                <a:latin typeface="Rockwell" panose="02060603020205020403" pitchFamily="18" charset="0"/>
+              </a:rPr>
+              <a:t>unions</a:t>
+            </a:r>
+          </a:p>
+          <a:p>
+            <a:pPr marL="457200" indent="-457200">
+              <a:buFont typeface="Wingdings" panose="05000000000000000000" pitchFamily="2" charset="2"/>
+              <a:buChar char="§"/>
+            </a:pPr>
+            <a:r>
+              <a:rPr lang="en-US" sz="4000" dirty="0" smtClean="0">
+                <a:latin typeface="Rockwell" panose="02060603020205020403" pitchFamily="18" charset="0"/>
+              </a:rPr>
+              <a:t>records</a:t>
+            </a:r>
+          </a:p>
+          <a:p>
+            <a:pPr marL="457200" indent="-457200">
+              <a:buFont typeface="Wingdings" panose="05000000000000000000" pitchFamily="2" charset="2"/>
+              <a:buChar char="§"/>
+            </a:pPr>
+            <a:r>
+              <a:rPr lang="en-US" sz="4000" dirty="0" smtClean="0">
+                <a:latin typeface="Rockwell" panose="02060603020205020403" pitchFamily="18" charset="0"/>
+              </a:rPr>
+              <a:t>collections</a:t>
+            </a:r>
+          </a:p>
+          <a:p>
+            <a:pPr marL="457200" indent="-457200">
+              <a:buFont typeface="Wingdings" panose="05000000000000000000" pitchFamily="2" charset="2"/>
+              <a:buChar char="§"/>
+            </a:pPr>
+            <a:r>
+              <a:rPr lang="en-US" sz="4000" dirty="0" smtClean="0">
+                <a:latin typeface="Rockwell" panose="02060603020205020403" pitchFamily="18" charset="0"/>
+              </a:rPr>
+              <a:t>tuples</a:t>
+            </a:r>
+          </a:p>
+          <a:p>
+            <a:pPr marL="457200" indent="-457200">
+              <a:buFont typeface="Wingdings" panose="05000000000000000000" pitchFamily="2" charset="2"/>
+              <a:buChar char="§"/>
+            </a:pPr>
+            <a:r>
+              <a:rPr lang="en-US" sz="4000" dirty="0" smtClean="0">
+                <a:latin typeface="Rockwell" panose="02060603020205020403" pitchFamily="18" charset="0"/>
+              </a:rPr>
+              <a:t>modules</a:t>
+            </a:r>
+          </a:p>
+          <a:p>
+            <a:pPr marL="457200" indent="-457200">
+              <a:buFont typeface="Wingdings" panose="05000000000000000000" pitchFamily="2" charset="2"/>
+              <a:buChar char="§"/>
+            </a:pPr>
+            <a:r>
+              <a:rPr lang="en-US" sz="4000" dirty="0" smtClean="0">
+                <a:latin typeface="Rockwell" panose="02060603020205020403" pitchFamily="18" charset="0"/>
+              </a:rPr>
+              <a:t>functions</a:t>
+            </a:r>
+          </a:p>
+        </p:txBody>
+      </p:sp>
+      <p:sp>
+        <p:nvSpPr>
+          <p:cNvPr id="8" name="Oval 7"/>
+          <p:cNvSpPr/>
+          <p:nvPr/>
+        </p:nvSpPr>
+        <p:spPr>
+          <a:xfrm>
+            <a:off x="5232400" y="2609850"/>
+            <a:ext cx="3492500" cy="3492500"/>
+          </a:xfrm>
+          <a:prstGeom prst="ellipse">
+            <a:avLst/>
+          </a:prstGeom>
+          <a:ln>
+            <a:noFill/>
+          </a:ln>
+        </p:spPr>
+        <p:style>
+          <a:lnRef idx="2">
+            <a:schemeClr val="accent3">
+              <a:shade val="50000"/>
+            </a:schemeClr>
+          </a:lnRef>
+          <a:fillRef idx="1">
+            <a:schemeClr val="accent3"/>
+          </a:fillRef>
+          <a:effectRef idx="0">
+            <a:schemeClr val="accent3"/>
+          </a:effectRef>
+          <a:fontRef idx="minor">
+            <a:schemeClr val="lt1"/>
+          </a:fontRef>
+        </p:style>
+        <p:txBody>
+          <a:bodyPr rtlCol="0" anchor="ctr"/>
+          <a:lstStyle/>
+          <a:p>
+            <a:pPr algn="ctr"/>
+            <a:endParaRPr lang="en-US"/>
+          </a:p>
+        </p:txBody>
+      </p:sp>
+      <p:pic>
+        <p:nvPicPr>
+          <p:cNvPr id="10" name="Picture 9"/>
+          <p:cNvPicPr>
+            <a:picLocks noChangeAspect="1"/>
+          </p:cNvPicPr>
+          <p:nvPr/>
+        </p:nvPicPr>
+        <p:blipFill>
+          <a:blip r:embed="rId2" cstate="print">
+            <a:extLst>
+              <a:ext uri="{28A0092B-C50C-407E-A947-70E740481C1C}">
+                <a14:useLocalDpi xmlns:a14="http://schemas.microsoft.com/office/drawing/2010/main" val="0"/>
+              </a:ext>
+            </a:extLst>
+          </a:blip>
+          <a:stretch>
+            <a:fillRect/>
+          </a:stretch>
+        </p:blipFill>
+        <p:spPr>
+          <a:xfrm>
+            <a:off x="5524511" y="3956494"/>
+            <a:ext cx="2908278" cy="799211"/>
+          </a:xfrm>
+          <a:prstGeom prst="rect">
+            <a:avLst/>
+          </a:prstGeom>
+        </p:spPr>
+      </p:pic>
+    </p:spTree>
+    <p:extLst>
+      <p:ext uri="{BB962C8B-B14F-4D97-AF65-F5344CB8AC3E}">
+        <p14:creationId xmlns:p14="http://schemas.microsoft.com/office/powerpoint/2010/main" val="2055544144"/>
+      </p:ext>
+    </p:extLst>
+  </p:cSld>
+  <p:clrMapOvr>
+    <a:masterClrMapping/>
+  </p:clrMapOvr>
+  <mc:AlternateContent xmlns:mc="http://schemas.openxmlformats.org/markup-compatibility/2006" xmlns:p14="http://schemas.microsoft.com/office/powerpoint/2010/main">
+    <mc:Choice Requires="p14">
+      <p:transition spd="med" p14:dur="700">
+        <p:fade/>
+      </p:transition>
+    </mc:Choice>
+    <mc:Fallback xmlns="">
+      <p:transition spd="med">
+        <p:fade/>
+      </p:transition>
+    </mc:Fallback>
+  </mc:AlternateContent>
+  <p:timing>
+    <p:tnLst>
+      <p:par>
+        <p:cTn id="1" dur="indefinite" restart="never" nodeType="tmRoot"/>
+      </p:par>
+    </p:tnLst>
+  </p:timing>
+</p:sld>
+</file>
+
+<file path=ppt/slides/slide24.xml><?xml version="1.0" encoding="utf-8"?>
+<p:sld xmlns:a="http://schemas.openxmlformats.org/drawingml/2006/main" xmlns:r="http://schemas.openxmlformats.org/officeDocument/2006/relationships" xmlns:p="http://schemas.openxmlformats.org/presentationml/2006/main">
+  <p:cSld>
+    <p:spTree>
+      <p:nvGrpSpPr>
+        <p:cNvPr id="1" name=""/>
+        <p:cNvGrpSpPr/>
+        <p:nvPr/>
+      </p:nvGrpSpPr>
+      <p:grpSpPr>
+        <a:xfrm>
+          <a:off x="0" y="0"/>
+          <a:ext cx="0" cy="0"/>
+          <a:chOff x="0" y="0"/>
+          <a:chExt cx="0" cy="0"/>
+        </a:xfrm>
+      </p:grpSpPr>
+      <p:sp>
+        <p:nvSpPr>
+          <p:cNvPr id="11" name="Title 1"/>
+          <p:cNvSpPr>
+            <a:spLocks noGrp="1"/>
+          </p:cNvSpPr>
+          <p:nvPr>
+            <p:ph type="title"/>
+          </p:nvPr>
+        </p:nvSpPr>
+        <p:spPr>
+          <a:xfrm>
+            <a:off x="292100" y="234682"/>
+            <a:ext cx="8559800" cy="1337040"/>
+          </a:xfrm>
+        </p:spPr>
+        <p:txBody>
+          <a:bodyPr/>
+          <a:lstStyle/>
+          <a:p>
+            <a:pPr algn="ctr"/>
+            <a:r>
+              <a:rPr lang="en-US" dirty="0" smtClean="0"/>
+              <a:t>Idiomatically distinct</a:t>
+            </a:r>
+            <a:br>
+              <a:rPr lang="en-US" dirty="0" smtClean="0"/>
+            </a:br>
+            <a:r>
+              <a:rPr lang="en-US" dirty="0" smtClean="0"/>
+              <a:t>…but IL is IL</a:t>
+            </a:r>
+            <a:endParaRPr lang="en-US" dirty="0"/>
+          </a:p>
+        </p:txBody>
+      </p:sp>
+      <p:sp>
+        <p:nvSpPr>
+          <p:cNvPr id="8" name="Oval 7"/>
+          <p:cNvSpPr/>
+          <p:nvPr/>
+        </p:nvSpPr>
+        <p:spPr>
+          <a:xfrm>
+            <a:off x="5232400" y="2609850"/>
+            <a:ext cx="3492500" cy="3492500"/>
+          </a:xfrm>
+          <a:prstGeom prst="ellipse">
+            <a:avLst/>
+          </a:prstGeom>
+          <a:ln>
+            <a:noFill/>
+          </a:ln>
+        </p:spPr>
+        <p:style>
+          <a:lnRef idx="2">
+            <a:schemeClr val="accent3">
+              <a:shade val="50000"/>
+            </a:schemeClr>
+          </a:lnRef>
+          <a:fillRef idx="1">
+            <a:schemeClr val="accent3"/>
+          </a:fillRef>
+          <a:effectRef idx="0">
+            <a:schemeClr val="accent3"/>
+          </a:effectRef>
+          <a:fontRef idx="minor">
+            <a:schemeClr val="lt1"/>
+          </a:fontRef>
+        </p:style>
+        <p:txBody>
+          <a:bodyPr rtlCol="0" anchor="ctr"/>
+          <a:lstStyle/>
+          <a:p>
+            <a:pPr algn="ctr"/>
+            <a:endParaRPr lang="en-US" dirty="0"/>
+          </a:p>
+        </p:txBody>
+      </p:sp>
+      <p:pic>
+        <p:nvPicPr>
+          <p:cNvPr id="10" name="Picture 9"/>
+          <p:cNvPicPr>
+            <a:picLocks noChangeAspect="1"/>
+          </p:cNvPicPr>
+          <p:nvPr/>
+        </p:nvPicPr>
+        <p:blipFill>
+          <a:blip r:embed="rId2" cstate="print">
+            <a:extLst>
+              <a:ext uri="{28A0092B-C50C-407E-A947-70E740481C1C}">
+                <a14:useLocalDpi xmlns:a14="http://schemas.microsoft.com/office/drawing/2010/main" val="0"/>
+              </a:ext>
+            </a:extLst>
+          </a:blip>
+          <a:stretch>
+            <a:fillRect/>
+          </a:stretch>
+        </p:blipFill>
+        <p:spPr>
+          <a:xfrm>
+            <a:off x="5524511" y="3956494"/>
+            <a:ext cx="2908278" cy="799211"/>
+          </a:xfrm>
+          <a:prstGeom prst="rect">
+            <a:avLst/>
+          </a:prstGeom>
+        </p:spPr>
+      </p:pic>
+      <p:sp>
+        <p:nvSpPr>
+          <p:cNvPr id="3" name="TextBox 2"/>
+          <p:cNvSpPr txBox="1"/>
+          <p:nvPr/>
+        </p:nvSpPr>
+        <p:spPr>
+          <a:xfrm>
+            <a:off x="7416347" y="4543341"/>
+            <a:ext cx="1162498" cy="707886"/>
+          </a:xfrm>
+          <a:prstGeom prst="rect">
+            <a:avLst/>
+          </a:prstGeom>
+          <a:noFill/>
+        </p:spPr>
+        <p:txBody>
+          <a:bodyPr wrap="none" rtlCol="0">
+            <a:spAutoFit/>
+          </a:bodyPr>
+          <a:lstStyle/>
+          <a:p>
+            <a:r>
+              <a:rPr lang="en-US" sz="4000" b="1" dirty="0" smtClean="0"/>
+              <a:t>.NET</a:t>
+            </a:r>
+            <a:endParaRPr lang="en-US" sz="4000" b="1" dirty="0"/>
+          </a:p>
+        </p:txBody>
+      </p:sp>
+      <p:sp>
+        <p:nvSpPr>
+          <p:cNvPr id="7" name="TextBox 6"/>
+          <p:cNvSpPr txBox="1"/>
+          <p:nvPr/>
+        </p:nvSpPr>
+        <p:spPr>
+          <a:xfrm>
+            <a:off x="1168377" y="2463273"/>
+            <a:ext cx="3721112" cy="3785652"/>
+          </a:xfrm>
+          <a:prstGeom prst="rect">
+            <a:avLst/>
+          </a:prstGeom>
+          <a:noFill/>
+        </p:spPr>
+        <p:txBody>
+          <a:bodyPr wrap="square" rtlCol="0">
+            <a:spAutoFit/>
+          </a:bodyPr>
+          <a:lstStyle/>
+          <a:p>
+            <a:pPr marL="457200" indent="-457200">
+              <a:buFont typeface="Wingdings" panose="05000000000000000000" pitchFamily="2" charset="2"/>
+              <a:buChar char="§"/>
+            </a:pPr>
+            <a:r>
+              <a:rPr lang="en-US" sz="4000" dirty="0" smtClean="0">
+                <a:latin typeface="Rockwell" panose="02060603020205020403" pitchFamily="18" charset="0"/>
+              </a:rPr>
+              <a:t>unions</a:t>
+            </a:r>
+          </a:p>
+          <a:p>
+            <a:pPr marL="457200" indent="-457200">
+              <a:buFont typeface="Wingdings" panose="05000000000000000000" pitchFamily="2" charset="2"/>
+              <a:buChar char="§"/>
+            </a:pPr>
+            <a:r>
+              <a:rPr lang="en-US" sz="4000" dirty="0" smtClean="0">
+                <a:latin typeface="Rockwell" panose="02060603020205020403" pitchFamily="18" charset="0"/>
+              </a:rPr>
+              <a:t>records</a:t>
+            </a:r>
+          </a:p>
+          <a:p>
+            <a:pPr marL="457200" indent="-457200">
+              <a:buFont typeface="Wingdings" panose="05000000000000000000" pitchFamily="2" charset="2"/>
+              <a:buChar char="§"/>
+            </a:pPr>
+            <a:r>
+              <a:rPr lang="en-US" sz="4000" dirty="0" smtClean="0">
+                <a:latin typeface="Rockwell" panose="02060603020205020403" pitchFamily="18" charset="0"/>
+              </a:rPr>
+              <a:t>collections</a:t>
+            </a:r>
+          </a:p>
+          <a:p>
+            <a:pPr marL="457200" indent="-457200">
+              <a:buFont typeface="Wingdings" panose="05000000000000000000" pitchFamily="2" charset="2"/>
+              <a:buChar char="§"/>
+            </a:pPr>
+            <a:r>
+              <a:rPr lang="en-US" sz="4000" dirty="0" smtClean="0">
+                <a:latin typeface="Rockwell" panose="02060603020205020403" pitchFamily="18" charset="0"/>
+              </a:rPr>
+              <a:t>tuples</a:t>
+            </a:r>
+          </a:p>
+          <a:p>
+            <a:pPr marL="457200" indent="-457200">
+              <a:buFont typeface="Wingdings" panose="05000000000000000000" pitchFamily="2" charset="2"/>
+              <a:buChar char="§"/>
+            </a:pPr>
+            <a:r>
+              <a:rPr lang="en-US" sz="4000" dirty="0" smtClean="0">
+                <a:latin typeface="Rockwell" panose="02060603020205020403" pitchFamily="18" charset="0"/>
+              </a:rPr>
+              <a:t>modules</a:t>
+            </a:r>
+          </a:p>
+          <a:p>
+            <a:pPr marL="457200" indent="-457200">
+              <a:buFont typeface="Wingdings" panose="05000000000000000000" pitchFamily="2" charset="2"/>
+              <a:buChar char="§"/>
+            </a:pPr>
+            <a:r>
+              <a:rPr lang="en-US" sz="4000" dirty="0" smtClean="0">
+                <a:latin typeface="Rockwell" panose="02060603020205020403" pitchFamily="18" charset="0"/>
+              </a:rPr>
+              <a:t>functions</a:t>
+            </a:r>
+          </a:p>
+        </p:txBody>
+      </p:sp>
+    </p:spTree>
+    <p:extLst>
+      <p:ext uri="{BB962C8B-B14F-4D97-AF65-F5344CB8AC3E}">
+        <p14:creationId xmlns:p14="http://schemas.microsoft.com/office/powerpoint/2010/main" val="806684200"/>
+      </p:ext>
+    </p:extLst>
+  </p:cSld>
+  <p:clrMapOvr>
+    <a:masterClrMapping/>
+  </p:clrMapOvr>
+  <mc:AlternateContent xmlns:mc="http://schemas.openxmlformats.org/markup-compatibility/2006" xmlns:p14="http://schemas.microsoft.com/office/powerpoint/2010/main">
+    <mc:Choice Requires="p14">
+      <p:transition spd="med" p14:dur="700">
+        <p:fade/>
+      </p:transition>
+    </mc:Choice>
+    <mc:Fallback xmlns="">
       <p:transition spd="med">
         <p:fade/>
       </p:transition>
@@ -4594,8 +4939,8 @@
         </p:nvSpPr>
         <p:spPr>
           <a:xfrm>
-            <a:off x="292100" y="525841"/>
-            <a:ext cx="8559800" cy="754723"/>
+            <a:off x="292100" y="446593"/>
+            <a:ext cx="8559800" cy="1366575"/>
           </a:xfrm>
         </p:spPr>
         <p:txBody>
@@ -4604,10 +4949,39 @@
           <a:p>
             <a:pPr algn="ctr"/>
             <a:r>
-              <a:rPr lang="en-US" dirty="0" smtClean="0"/>
-              <a:t>Has its own types</a:t>
-            </a:r>
-            <a:endParaRPr lang="en-US" dirty="0"/>
+              <a:rPr lang="en-US" sz="5400" dirty="0" smtClean="0"/>
+              <a:t>F# </a:t>
+            </a:r>
+            <a:r>
+              <a:rPr lang="en-US" sz="6000" dirty="0" smtClean="0">
+                <a:solidFill>
+                  <a:srgbClr val="FF0000"/>
+                </a:solidFill>
+                <a:latin typeface="Arial" panose="020B0604020202020204" pitchFamily="34" charset="0"/>
+                <a:cs typeface="Arial" panose="020B0604020202020204" pitchFamily="34" charset="0"/>
+              </a:rPr>
+              <a:t>♥</a:t>
+            </a:r>
+            <a:r>
+              <a:rPr lang="en-US" sz="5400" dirty="0" smtClean="0"/>
+              <a:t> is about </a:t>
+            </a:r>
+            <a:r>
+              <a:rPr lang="en-US" sz="5400" i="1" dirty="0" smtClean="0"/>
+              <a:t>features</a:t>
+            </a:r>
+            <a:br>
+              <a:rPr lang="en-US" sz="5400" i="1" dirty="0" smtClean="0"/>
+            </a:br>
+            <a:r>
+              <a:rPr lang="en-US" sz="2800" dirty="0" err="1" smtClean="0"/>
+              <a:t>Features</a:t>
+            </a:r>
+            <a:r>
+              <a:rPr lang="en-US" sz="2800" dirty="0" smtClean="0"/>
+              <a:t> are leveraged through idioms</a:t>
+            </a:r>
+            <a:endParaRPr lang="en-US" sz="5400" dirty="0"/>
           </a:p>
         </p:txBody>
       </p:sp>
@@ -4619,8 +4993,8 @@
         </p:nvSpPr>
         <p:spPr>
           <a:xfrm>
-            <a:off x="1168377" y="2463273"/>
-            <a:ext cx="3721112" cy="3785652"/>
+            <a:off x="738556" y="1957204"/>
+            <a:ext cx="4635500" cy="4524315"/>
           </a:xfrm>
           <a:prstGeom prst="rect">
             <a:avLst/>
@@ -4633,76 +5007,121 @@
           </a:bodyPr>
           <a:lstStyle/>
           <a:p>
-            <a:pPr marL="457200" indent="-457200">
+            <a:pPr marL="571500" indent="-571500">
               <a:buFont typeface="Wingdings" panose="05000000000000000000" pitchFamily="2" charset="2"/>
               <a:buChar char="§"/>
             </a:pPr>
             <a:r>
-              <a:rPr lang="en-US" sz="4000" dirty="0" smtClean="0">
+              <a:rPr lang="en-US" sz="3600" dirty="0" smtClean="0">
                 <a:latin typeface="Rockwell" panose="02060603020205020403" pitchFamily="18" charset="0"/>
               </a:rPr>
-              <a:t>unions</a:t>
-            </a:r>
-          </a:p>
-          <a:p>
-            <a:pPr marL="457200" indent="-457200">
+              <a:t>pattern-matching</a:t>
+            </a:r>
+          </a:p>
+          <a:p>
+            <a:pPr marL="571500" indent="-571500">
               <a:buFont typeface="Wingdings" panose="05000000000000000000" pitchFamily="2" charset="2"/>
               <a:buChar char="§"/>
             </a:pPr>
             <a:r>
-              <a:rPr lang="en-US" sz="4000" dirty="0" smtClean="0">
+              <a:rPr lang="en-US" sz="3600" dirty="0" smtClean="0">
+                <a:latin typeface="Envy Code R" panose="02000509000000020004" pitchFamily="49" charset="0"/>
+              </a:rPr>
+              <a:t>|&gt;</a:t>
+            </a:r>
+            <a:r>
+              <a:rPr lang="en-US" sz="3600" dirty="0" smtClean="0">
                 <a:latin typeface="Rockwell" panose="02060603020205020403" pitchFamily="18" charset="0"/>
               </a:rPr>
-              <a:t>records</a:t>
-            </a:r>
-          </a:p>
-          <a:p>
-            <a:pPr marL="457200" indent="-457200">
+              <a:t> piping</a:t>
+            </a:r>
+          </a:p>
+          <a:p>
+            <a:pPr marL="571500" indent="-571500">
               <a:buFont typeface="Wingdings" panose="05000000000000000000" pitchFamily="2" charset="2"/>
               <a:buChar char="§"/>
             </a:pPr>
             <a:r>
-              <a:rPr lang="en-US" sz="4000" dirty="0" smtClean="0">
+              <a:rPr lang="en-US" sz="3600" dirty="0" smtClean="0">
                 <a:latin typeface="Rockwell" panose="02060603020205020403" pitchFamily="18" charset="0"/>
               </a:rPr>
-              <a:t>collections</a:t>
-            </a:r>
-          </a:p>
-          <a:p>
-            <a:pPr marL="457200" indent="-457200">
+              <a:t>recursion</a:t>
+            </a:r>
+          </a:p>
+          <a:p>
+            <a:pPr marL="571500" indent="-571500">
               <a:buFont typeface="Wingdings" panose="05000000000000000000" pitchFamily="2" charset="2"/>
               <a:buChar char="§"/>
             </a:pPr>
             <a:r>
-              <a:rPr lang="en-US" sz="4000" dirty="0" smtClean="0">
+              <a:rPr lang="en-US" sz="3600" dirty="0" smtClean="0">
                 <a:latin typeface="Rockwell" panose="02060603020205020403" pitchFamily="18" charset="0"/>
               </a:rPr>
-              <a:t>tuples</a:t>
-            </a:r>
-          </a:p>
-          <a:p>
-            <a:pPr marL="457200" indent="-457200">
+              <a:t>currying</a:t>
+            </a:r>
+          </a:p>
+          <a:p>
+            <a:pPr marL="571500" indent="-571500">
               <a:buFont typeface="Wingdings" panose="05000000000000000000" pitchFamily="2" charset="2"/>
               <a:buChar char="§"/>
             </a:pPr>
             <a:r>
-              <a:rPr lang="en-US" sz="4000" dirty="0" smtClean="0">
+              <a:rPr lang="en-US" sz="3600" dirty="0" smtClean="0">
                 <a:latin typeface="Rockwell" panose="02060603020205020403" pitchFamily="18" charset="0"/>
               </a:rPr>
-              <a:t>modules</a:t>
-            </a:r>
-          </a:p>
-          <a:p>
-            <a:pPr marL="457200" indent="-457200">
+              <a:t>immutability</a:t>
+            </a:r>
+          </a:p>
+          <a:p>
+            <a:pPr marL="571500" indent="-571500">
               <a:buFont typeface="Wingdings" panose="05000000000000000000" pitchFamily="2" charset="2"/>
               <a:buChar char="§"/>
             </a:pPr>
             <a:r>
-              <a:rPr lang="en-US" sz="4000" dirty="0" smtClean="0">
+              <a:rPr lang="en-US" sz="3600" dirty="0" smtClean="0">
                 <a:latin typeface="Rockwell" panose="02060603020205020403" pitchFamily="18" charset="0"/>
               </a:rPr>
-              <a:t>functions</a:t>
-            </a:r>
+              <a:t>null-</a:t>
+            </a:r>
+            <a:r>
+              <a:rPr lang="en-US" sz="3600" dirty="0" err="1" smtClean="0">
+                <a:latin typeface="Rockwell" panose="02060603020205020403" pitchFamily="18" charset="0"/>
+              </a:rPr>
+              <a:t>lessness</a:t>
+            </a:r>
+            <a:endParaRPr lang="en-US" sz="3600" dirty="0" smtClean="0">
+              <a:latin typeface="Rockwell" panose="02060603020205020403" pitchFamily="18" charset="0"/>
+            </a:endParaRPr>
+          </a:p>
+          <a:p>
+            <a:pPr marL="571500" indent="-571500">
+              <a:buFont typeface="Wingdings" panose="05000000000000000000" pitchFamily="2" charset="2"/>
+              <a:buChar char="§"/>
+            </a:pPr>
+            <a:r>
+              <a:rPr lang="en-US" sz="3600" dirty="0">
+                <a:latin typeface="Rockwell" panose="02060603020205020403" pitchFamily="18" charset="0"/>
+              </a:rPr>
+              <a:t>_</a:t>
+            </a:r>
+            <a:endParaRPr lang="en-US" sz="3600" dirty="0" smtClean="0">
+              <a:latin typeface="Rockwell" panose="02060603020205020403" pitchFamily="18" charset="0"/>
+            </a:endParaRPr>
+          </a:p>
+          <a:p>
+            <a:pPr marL="571500" indent="-571500">
+              <a:buFont typeface="Wingdings" panose="05000000000000000000" pitchFamily="2" charset="2"/>
+              <a:buChar char="§"/>
+            </a:pPr>
+            <a:r>
+              <a:rPr lang="en-US" sz="3600" dirty="0">
+                <a:latin typeface="Rockwell" panose="02060603020205020403" pitchFamily="18" charset="0"/>
+              </a:rPr>
+              <a:t>REPL</a:t>
+            </a:r>
+            <a:endParaRPr lang="en-US" sz="3600" dirty="0" smtClean="0">
+              <a:latin typeface="Rockwell" panose="02060603020205020403" pitchFamily="18" charset="0"/>
+            </a:endParaRPr>
           </a:p>
         </p:txBody>
       </p:sp>
@@ -4720,6 +5139,11 @@
           <a:prstGeom prst="ellipse">
             <a:avLst/>
           </a:prstGeom>
+          <a:solidFill>
+            <a:schemeClr val="tx1">
+              <a:lumMod val="85000"/>
+            </a:schemeClr>
+          </a:solidFill>
           <a:ln>
             <a:noFill/>
           </a:ln>
@@ -4745,13 +5169,13 @@
           <a:lstStyle/>
           <a:p>
             <a:pPr algn="ctr"/>
-            <a:endParaRPr lang="en-US"/>
+            <a:endParaRPr lang="en-US" dirty="0"/>
           </a:p>
         </p:txBody>
       </p:sp>
       <p:pic>
         <p:nvPicPr>
-          <p:cNvPr id="10" name="Picture 9"/>
+          <p:cNvPr id="7" name="Picture 6"/>
           <p:cNvPicPr>
             <a:picLocks noChangeAspect="1"/>
           </p:cNvPicPr>
@@ -4771,31 +5195,32 @@
         </p:blipFill>
         <p:spPr>
           <a:xfrm>
-            <a:off x="5524511" y="3956494"/>
-            <a:ext cx="2908278" cy="799211"/>
+            <a:off x="5816600" y="3194049"/>
+            <a:ext cx="2324100" cy="2324100"/>
           </a:xfrm>
           <a:prstGeom prst="rect">
             <a:avLst/>
           </a:prstGeom>
+          <a:effectLst/>
         </p:spPr>
       </p:pic>
     </p:spTree>
     <p:extLst>
       <p:ext uri="{BB962C8B-B14F-4D97-AF65-F5344CB8AC3E}">
-        <p14:creationId xmlns:p14="http://schemas.microsoft.com/office/powerpoint/2010/main" val="2055544144"/>
+        <p14:creationId xmlns:p14="http://schemas.microsoft.com/office/powerpoint/2010/main" val="556825637"/>
       </p:ext>
     </p:extLst>
   </p:cSld>
   <p:clrMapOvr>
     <a:masterClrMapping/>
   </p:clrMapOvr>
-  <mc:AlternateContent xmlns:mc="http://schemas.openxmlformats.org/markup-compatibility/2006">
-    <mc:Choice xmlns:p14="http://schemas.microsoft.com/office/powerpoint/2010/main" Requires="p14">
+  <mc:AlternateContent xmlns:mc="http://schemas.openxmlformats.org/markup-compatibility/2006" xmlns:p14="http://schemas.microsoft.com/office/powerpoint/2010/main">
+    <mc:Choice Requires="p14">
       <p:transition spd="med" p14:dur="700">
         <p:fade/>
       </p:transition>
     </mc:Choice>
-    <mc:Fallback>
+    <mc:Fallback xmlns="">
       <p:transition spd="med">
         <p:fade/>
       </p:transition>
@@ -4830,618 +5255,6 @@
       </p:grpSpPr>
       <p:sp>
         <p:nvSpPr>
-          <p:cNvPr id="11" name="Title 1"/>
-          <p:cNvSpPr>
-            <a:spLocks noGrp="1"/>
-          </p:cNvSpPr>
-          <p:nvPr>
-            <p:ph type="title"/>
-          </p:nvPr>
-        </p:nvSpPr>
-        <p:spPr>
-          <a:xfrm>
-            <a:off x="292100" y="234682"/>
-            <a:ext cx="8559800" cy="1337040"/>
-          </a:xfrm>
-        </p:spPr>
-        <p:txBody>
-          <a:bodyPr/>
-          <a:lstStyle/>
-          <a:p>
-            <a:pPr algn="ctr"/>
-            <a:r>
-              <a:rPr lang="en-US" dirty="0" smtClean="0"/>
-              <a:t>Idiomatically distinct</a:t>
-            </a:r>
-            <a:br>
-              <a:rPr lang="en-US" dirty="0" smtClean="0"/>
-            </a:br>
-            <a:r>
-              <a:rPr lang="en-US" dirty="0" smtClean="0"/>
-              <a:t>…but IL is IL</a:t>
-            </a:r>
-            <a:endParaRPr lang="en-US" dirty="0"/>
-          </a:p>
-        </p:txBody>
-      </p:sp>
-      <p:sp>
-        <p:nvSpPr>
-          <p:cNvPr id="8" name="Oval 7"/>
-          <p:cNvSpPr/>
-          <p:nvPr/>
-        </p:nvSpPr>
-        <p:spPr>
-          <a:xfrm>
-            <a:off x="5232400" y="2609850"/>
-            <a:ext cx="3492500" cy="3492500"/>
-          </a:xfrm>
-          <a:prstGeom prst="ellipse">
-            <a:avLst/>
-          </a:prstGeom>
-          <a:ln>
-            <a:noFill/>
-          </a:ln>
-        </p:spPr>
-        <p:style>
-          <a:lnRef idx="2">
-            <a:schemeClr val="accent3">
-              <a:shade val="50000"/>
-            </a:schemeClr>
-          </a:lnRef>
-          <a:fillRef idx="1">
-            <a:schemeClr val="accent3"/>
-          </a:fillRef>
-          <a:effectRef idx="0">
-            <a:schemeClr val="accent3"/>
-          </a:effectRef>
-          <a:fontRef idx="minor">
-            <a:schemeClr val="lt1"/>
-          </a:fontRef>
-        </p:style>
-        <p:txBody>
-          <a:bodyPr rtlCol="0" anchor="ctr"/>
-          <a:lstStyle/>
-          <a:p>
-            <a:pPr algn="ctr"/>
-            <a:endParaRPr lang="en-US" dirty="0"/>
-          </a:p>
-        </p:txBody>
-      </p:sp>
-      <p:pic>
-        <p:nvPicPr>
-          <p:cNvPr id="10" name="Picture 9"/>
-          <p:cNvPicPr>
-            <a:picLocks noChangeAspect="1"/>
-          </p:cNvPicPr>
-          <p:nvPr/>
-        </p:nvPicPr>
-        <p:blipFill>
-          <a:blip r:embed="rId2" cstate="print">
-            <a:extLst>
-              <a:ext uri="{28A0092B-C50C-407E-A947-70E740481C1C}">
-                <a14:useLocalDpi xmlns:a14="http://schemas.microsoft.com/office/drawing/2010/main" val="0"/>
-              </a:ext>
-            </a:extLst>
-          </a:blip>
-          <a:stretch>
-            <a:fillRect/>
-          </a:stretch>
-        </p:blipFill>
-        <p:spPr>
-          <a:xfrm>
-            <a:off x="5524511" y="3956494"/>
-            <a:ext cx="2908278" cy="799211"/>
-          </a:xfrm>
-          <a:prstGeom prst="rect">
-            <a:avLst/>
-          </a:prstGeom>
-        </p:spPr>
-      </p:pic>
-      <p:sp>
-        <p:nvSpPr>
-          <p:cNvPr id="3" name="TextBox 2"/>
-          <p:cNvSpPr txBox="1"/>
-          <p:nvPr/>
-        </p:nvSpPr>
-        <p:spPr>
-          <a:xfrm>
-            <a:off x="7416347" y="4543341"/>
-            <a:ext cx="1162498" cy="707886"/>
-          </a:xfrm>
-          <a:prstGeom prst="rect">
-            <a:avLst/>
-          </a:prstGeom>
-          <a:noFill/>
-        </p:spPr>
-        <p:txBody>
-          <a:bodyPr wrap="none" rtlCol="0">
-            <a:spAutoFit/>
-          </a:bodyPr>
-          <a:lstStyle/>
-          <a:p>
-            <a:r>
-              <a:rPr lang="en-US" sz="4000" b="1" dirty="0" smtClean="0"/>
-              <a:t>.NET</a:t>
-            </a:r>
-            <a:endParaRPr lang="en-US" sz="4000" b="1" dirty="0"/>
-          </a:p>
-        </p:txBody>
-      </p:sp>
-      <p:sp>
-        <p:nvSpPr>
-          <p:cNvPr id="7" name="TextBox 6"/>
-          <p:cNvSpPr txBox="1"/>
-          <p:nvPr/>
-        </p:nvSpPr>
-        <p:spPr>
-          <a:xfrm>
-            <a:off x="1168377" y="2463273"/>
-            <a:ext cx="3721112" cy="3785652"/>
-          </a:xfrm>
-          <a:prstGeom prst="rect">
-            <a:avLst/>
-          </a:prstGeom>
-          <a:noFill/>
-        </p:spPr>
-        <p:txBody>
-          <a:bodyPr wrap="square" rtlCol="0">
-            <a:spAutoFit/>
-          </a:bodyPr>
-          <a:lstStyle/>
-          <a:p>
-            <a:pPr marL="457200" indent="-457200">
-              <a:buFont typeface="Wingdings" panose="05000000000000000000" pitchFamily="2" charset="2"/>
-              <a:buChar char="§"/>
-            </a:pPr>
-            <a:r>
-              <a:rPr lang="en-US" sz="4000" dirty="0" smtClean="0">
-                <a:latin typeface="Rockwell" panose="02060603020205020403" pitchFamily="18" charset="0"/>
-              </a:rPr>
-              <a:t>unions</a:t>
-            </a:r>
-          </a:p>
-          <a:p>
-            <a:pPr marL="457200" indent="-457200">
-              <a:buFont typeface="Wingdings" panose="05000000000000000000" pitchFamily="2" charset="2"/>
-              <a:buChar char="§"/>
-            </a:pPr>
-            <a:r>
-              <a:rPr lang="en-US" sz="4000" dirty="0" smtClean="0">
-                <a:latin typeface="Rockwell" panose="02060603020205020403" pitchFamily="18" charset="0"/>
-              </a:rPr>
-              <a:t>records</a:t>
-            </a:r>
-          </a:p>
-          <a:p>
-            <a:pPr marL="457200" indent="-457200">
-              <a:buFont typeface="Wingdings" panose="05000000000000000000" pitchFamily="2" charset="2"/>
-              <a:buChar char="§"/>
-            </a:pPr>
-            <a:r>
-              <a:rPr lang="en-US" sz="4000" dirty="0" smtClean="0">
-                <a:latin typeface="Rockwell" panose="02060603020205020403" pitchFamily="18" charset="0"/>
-              </a:rPr>
-              <a:t>collections</a:t>
-            </a:r>
-          </a:p>
-          <a:p>
-            <a:pPr marL="457200" indent="-457200">
-              <a:buFont typeface="Wingdings" panose="05000000000000000000" pitchFamily="2" charset="2"/>
-              <a:buChar char="§"/>
-            </a:pPr>
-            <a:r>
-              <a:rPr lang="en-US" sz="4000" dirty="0" smtClean="0">
-                <a:latin typeface="Rockwell" panose="02060603020205020403" pitchFamily="18" charset="0"/>
-              </a:rPr>
-              <a:t>tuples</a:t>
-            </a:r>
-          </a:p>
-          <a:p>
-            <a:pPr marL="457200" indent="-457200">
-              <a:buFont typeface="Wingdings" panose="05000000000000000000" pitchFamily="2" charset="2"/>
-              <a:buChar char="§"/>
-            </a:pPr>
-            <a:r>
-              <a:rPr lang="en-US" sz="4000" dirty="0" smtClean="0">
-                <a:latin typeface="Rockwell" panose="02060603020205020403" pitchFamily="18" charset="0"/>
-              </a:rPr>
-              <a:t>modules</a:t>
-            </a:r>
-          </a:p>
-          <a:p>
-            <a:pPr marL="457200" indent="-457200">
-              <a:buFont typeface="Wingdings" panose="05000000000000000000" pitchFamily="2" charset="2"/>
-              <a:buChar char="§"/>
-            </a:pPr>
-            <a:r>
-              <a:rPr lang="en-US" sz="4000" dirty="0" smtClean="0">
-                <a:latin typeface="Rockwell" panose="02060603020205020403" pitchFamily="18" charset="0"/>
-              </a:rPr>
-              <a:t>functions</a:t>
-            </a:r>
-          </a:p>
-        </p:txBody>
-      </p:sp>
-    </p:spTree>
-    <p:extLst>
-      <p:ext uri="{BB962C8B-B14F-4D97-AF65-F5344CB8AC3E}">
-        <p14:creationId xmlns:p14="http://schemas.microsoft.com/office/powerpoint/2010/main" val="806684200"/>
-      </p:ext>
-    </p:extLst>
-  </p:cSld>
-  <p:clrMapOvr>
-    <a:masterClrMapping/>
-  </p:clrMapOvr>
-  <mc:AlternateContent xmlns:mc="http://schemas.openxmlformats.org/markup-compatibility/2006">
-    <mc:Choice xmlns:p14="http://schemas.microsoft.com/office/powerpoint/2010/main" Requires="p14">
-      <p:transition spd="med" p14:dur="700">
-        <p:fade/>
-      </p:transition>
-    </mc:Choice>
-    <mc:Fallback>
-      <p:transition spd="med">
-        <p:fade/>
-      </p:transition>
-    </mc:Fallback>
-  </mc:AlternateContent>
-  <p:timing>
-    <p:tnLst>
-      <p:par>
-        <p:cTn id="1" dur="indefinite" restart="never" nodeType="tmRoot"/>
-      </p:par>
-    </p:tnLst>
-  </p:timing>
-</p:sld>
-</file>
-
-<file path=ppt/slides/slide27.xml><?xml version="1.0" encoding="utf-8"?>
-<p:sld xmlns:a="http://schemas.openxmlformats.org/drawingml/2006/main" xmlns:r="http://schemas.openxmlformats.org/officeDocument/2006/relationships" xmlns:p="http://schemas.openxmlformats.org/presentationml/2006/main">
-  <p:cSld>
-    <p:spTree>
-      <p:nvGrpSpPr>
-        <p:cNvPr id="1" name=""/>
-        <p:cNvGrpSpPr/>
-        <p:nvPr/>
-      </p:nvGrpSpPr>
-      <p:grpSpPr>
-        <a:xfrm>
-          <a:off x="0" y="0"/>
-          <a:ext cx="0" cy="0"/>
-          <a:chOff x="0" y="0"/>
-          <a:chExt cx="0" cy="0"/>
-        </a:xfrm>
-      </p:grpSpPr>
-      <p:sp>
-        <p:nvSpPr>
-          <p:cNvPr id="11" name="Title 1"/>
-          <p:cNvSpPr>
-            <a:spLocks noGrp="1"/>
-          </p:cNvSpPr>
-          <p:nvPr>
-            <p:ph type="title"/>
-          </p:nvPr>
-        </p:nvSpPr>
-        <p:spPr>
-          <a:xfrm>
-            <a:off x="292100" y="446593"/>
-            <a:ext cx="8559800" cy="1366575"/>
-          </a:xfrm>
-        </p:spPr>
-        <p:txBody>
-          <a:bodyPr/>
-          <a:lstStyle/>
-          <a:p>
-            <a:pPr algn="ctr"/>
-            <a:r>
-              <a:rPr lang="en-US" sz="5400" dirty="0" smtClean="0"/>
-              <a:t>F# </a:t>
-            </a:r>
-            <a:r>
-              <a:rPr lang="en-US" sz="6000" dirty="0" smtClean="0">
-                <a:solidFill>
-                  <a:srgbClr val="FF0000"/>
-                </a:solidFill>
-                <a:latin typeface="Arial" panose="020B0604020202020204" pitchFamily="34" charset="0"/>
-                <a:cs typeface="Arial" panose="020B0604020202020204" pitchFamily="34" charset="0"/>
-              </a:rPr>
-              <a:t>♥</a:t>
-            </a:r>
-            <a:r>
-              <a:rPr lang="en-US" sz="5400" dirty="0" smtClean="0"/>
-              <a:t> is about </a:t>
-            </a:r>
-            <a:r>
-              <a:rPr lang="en-US" sz="5400" i="1" dirty="0" smtClean="0"/>
-              <a:t>features</a:t>
-            </a:r>
-            <a:br>
-              <a:rPr lang="en-US" sz="5400" i="1" dirty="0" smtClean="0"/>
-            </a:br>
-            <a:r>
-              <a:rPr lang="en-US" sz="2800" dirty="0" err="1" smtClean="0"/>
-              <a:t>Features</a:t>
-            </a:r>
-            <a:r>
-              <a:rPr lang="en-US" sz="2800" dirty="0" smtClean="0"/>
-              <a:t> are leveraged through idioms</a:t>
-            </a:r>
-            <a:endParaRPr lang="en-US" sz="5400" dirty="0"/>
-          </a:p>
-        </p:txBody>
-      </p:sp>
-      <p:sp>
-        <p:nvSpPr>
-          <p:cNvPr id="2" name="TextBox 1"/>
-          <p:cNvSpPr txBox="1"/>
-          <p:nvPr/>
-        </p:nvSpPr>
-        <p:spPr>
-          <a:xfrm>
-            <a:off x="738556" y="1957204"/>
-            <a:ext cx="4635500" cy="4524315"/>
-          </a:xfrm>
-          <a:prstGeom prst="rect">
-            <a:avLst/>
-          </a:prstGeom>
-          <a:noFill/>
-        </p:spPr>
-        <p:txBody>
-          <a:bodyPr wrap="square" rtlCol="0">
-            <a:spAutoFit/>
-          </a:bodyPr>
-          <a:lstStyle/>
-          <a:p>
-            <a:pPr marL="571500" indent="-571500">
-              <a:buFont typeface="Wingdings" panose="05000000000000000000" pitchFamily="2" charset="2"/>
-              <a:buChar char="§"/>
-            </a:pPr>
-            <a:r>
-              <a:rPr lang="en-US" sz="3600" dirty="0" smtClean="0">
-                <a:latin typeface="Rockwell" panose="02060603020205020403" pitchFamily="18" charset="0"/>
-              </a:rPr>
-              <a:t>pattern-matching</a:t>
-            </a:r>
-            <a:endParaRPr lang="en-US" sz="3600" dirty="0" smtClean="0">
-              <a:latin typeface="Rockwell" panose="02060603020205020403" pitchFamily="18" charset="0"/>
-            </a:endParaRPr>
-          </a:p>
-          <a:p>
-            <a:pPr marL="571500" indent="-571500">
-              <a:buFont typeface="Wingdings" panose="05000000000000000000" pitchFamily="2" charset="2"/>
-              <a:buChar char="§"/>
-            </a:pPr>
-            <a:r>
-              <a:rPr lang="en-US" sz="3600" dirty="0" smtClean="0">
-                <a:latin typeface="Envy Code R" panose="02000509000000020004" pitchFamily="49" charset="0"/>
-              </a:rPr>
-              <a:t>|&gt;</a:t>
-            </a:r>
-            <a:r>
-              <a:rPr lang="en-US" sz="3600" dirty="0" smtClean="0">
-                <a:latin typeface="Rockwell" panose="02060603020205020403" pitchFamily="18" charset="0"/>
-              </a:rPr>
-              <a:t> piping</a:t>
-            </a:r>
-          </a:p>
-          <a:p>
-            <a:pPr marL="571500" indent="-571500">
-              <a:buFont typeface="Wingdings" panose="05000000000000000000" pitchFamily="2" charset="2"/>
-              <a:buChar char="§"/>
-            </a:pPr>
-            <a:r>
-              <a:rPr lang="en-US" sz="3600" dirty="0" smtClean="0">
-                <a:latin typeface="Rockwell" panose="02060603020205020403" pitchFamily="18" charset="0"/>
-              </a:rPr>
-              <a:t>recursion</a:t>
-            </a:r>
-          </a:p>
-          <a:p>
-            <a:pPr marL="571500" indent="-571500">
-              <a:buFont typeface="Wingdings" panose="05000000000000000000" pitchFamily="2" charset="2"/>
-              <a:buChar char="§"/>
-            </a:pPr>
-            <a:r>
-              <a:rPr lang="en-US" sz="3600" dirty="0" smtClean="0">
-                <a:latin typeface="Rockwell" panose="02060603020205020403" pitchFamily="18" charset="0"/>
-              </a:rPr>
-              <a:t>currying</a:t>
-            </a:r>
-          </a:p>
-          <a:p>
-            <a:pPr marL="571500" indent="-571500">
-              <a:buFont typeface="Wingdings" panose="05000000000000000000" pitchFamily="2" charset="2"/>
-              <a:buChar char="§"/>
-            </a:pPr>
-            <a:r>
-              <a:rPr lang="en-US" sz="3600" dirty="0" smtClean="0">
-                <a:latin typeface="Rockwell" panose="02060603020205020403" pitchFamily="18" charset="0"/>
-              </a:rPr>
-              <a:t>immutability</a:t>
-            </a:r>
-          </a:p>
-          <a:p>
-            <a:pPr marL="571500" indent="-571500">
-              <a:buFont typeface="Wingdings" panose="05000000000000000000" pitchFamily="2" charset="2"/>
-              <a:buChar char="§"/>
-            </a:pPr>
-            <a:r>
-              <a:rPr lang="en-US" sz="3600" dirty="0" smtClean="0">
-                <a:latin typeface="Rockwell" panose="02060603020205020403" pitchFamily="18" charset="0"/>
-              </a:rPr>
-              <a:t>null-</a:t>
-            </a:r>
-            <a:r>
-              <a:rPr lang="en-US" sz="3600" dirty="0" err="1" smtClean="0">
-                <a:latin typeface="Rockwell" panose="02060603020205020403" pitchFamily="18" charset="0"/>
-              </a:rPr>
-              <a:t>lessness</a:t>
-            </a:r>
-            <a:endParaRPr lang="en-US" sz="3600" dirty="0" smtClean="0">
-              <a:latin typeface="Rockwell" panose="02060603020205020403" pitchFamily="18" charset="0"/>
-            </a:endParaRPr>
-          </a:p>
-          <a:p>
-            <a:pPr marL="571500" indent="-571500">
-              <a:buFont typeface="Wingdings" panose="05000000000000000000" pitchFamily="2" charset="2"/>
-              <a:buChar char="§"/>
-            </a:pPr>
-            <a:r>
-              <a:rPr lang="en-US" sz="3600" dirty="0">
-                <a:latin typeface="Rockwell" panose="02060603020205020403" pitchFamily="18" charset="0"/>
-              </a:rPr>
-              <a:t>_</a:t>
-            </a:r>
-            <a:endParaRPr lang="en-US" sz="3600" dirty="0" smtClean="0">
-              <a:latin typeface="Rockwell" panose="02060603020205020403" pitchFamily="18" charset="0"/>
-            </a:endParaRPr>
-          </a:p>
-          <a:p>
-            <a:pPr marL="571500" indent="-571500">
-              <a:buFont typeface="Wingdings" panose="05000000000000000000" pitchFamily="2" charset="2"/>
-              <a:buChar char="§"/>
-            </a:pPr>
-            <a:r>
-              <a:rPr lang="en-US" sz="3600" dirty="0">
-                <a:latin typeface="Rockwell" panose="02060603020205020403" pitchFamily="18" charset="0"/>
-              </a:rPr>
-              <a:t>REPL</a:t>
-            </a:r>
-            <a:endParaRPr lang="en-US" sz="3600" dirty="0" smtClean="0">
-              <a:latin typeface="Rockwell" panose="02060603020205020403" pitchFamily="18" charset="0"/>
-            </a:endParaRPr>
-          </a:p>
-        </p:txBody>
-      </p:sp>
-      <p:sp>
-        <p:nvSpPr>
-          <p:cNvPr id="8" name="Oval 7"/>
-          <p:cNvSpPr/>
-          <p:nvPr/>
-        </p:nvSpPr>
-        <p:spPr>
-          <a:xfrm>
-            <a:off x="5232400" y="2609850"/>
-            <a:ext cx="3492500" cy="3492500"/>
-          </a:xfrm>
-          <a:prstGeom prst="ellipse">
-            <a:avLst/>
-          </a:prstGeom>
-          <a:solidFill>
-            <a:schemeClr val="tx1">
-              <a:lumMod val="85000"/>
-            </a:schemeClr>
-          </a:solidFill>
-          <a:ln>
-            <a:noFill/>
-          </a:ln>
-        </p:spPr>
-        <p:style>
-          <a:lnRef idx="2">
-            <a:schemeClr val="accent3">
-              <a:shade val="50000"/>
-            </a:schemeClr>
-          </a:lnRef>
-          <a:fillRef idx="1">
-            <a:schemeClr val="accent3"/>
-          </a:fillRef>
-          <a:effectRef idx="0">
-            <a:schemeClr val="accent3"/>
-          </a:effectRef>
-          <a:fontRef idx="minor">
-            <a:schemeClr val="lt1"/>
-          </a:fontRef>
-        </p:style>
-        <p:txBody>
-          <a:bodyPr rtlCol="0" anchor="ctr"/>
-          <a:lstStyle/>
-          <a:p>
-            <a:pPr algn="ctr"/>
-            <a:endParaRPr lang="en-US" dirty="0"/>
-          </a:p>
-        </p:txBody>
-      </p:sp>
-      <p:pic>
-        <p:nvPicPr>
-          <p:cNvPr id="7" name="Picture 6"/>
-          <p:cNvPicPr>
-            <a:picLocks noChangeAspect="1"/>
-          </p:cNvPicPr>
-          <p:nvPr/>
-        </p:nvPicPr>
-        <p:blipFill>
-          <a:blip r:embed="rId2" cstate="print">
-            <a:extLst>
-              <a:ext uri="{28A0092B-C50C-407E-A947-70E740481C1C}">
-                <a14:useLocalDpi xmlns:a14="http://schemas.microsoft.com/office/drawing/2010/main" val="0"/>
-              </a:ext>
-            </a:extLst>
-          </a:blip>
-          <a:stretch>
-            <a:fillRect/>
-          </a:stretch>
-        </p:blipFill>
-        <p:spPr>
-          <a:xfrm>
-            <a:off x="5816600" y="3194049"/>
-            <a:ext cx="2324100" cy="2324100"/>
-          </a:xfrm>
-          <a:prstGeom prst="rect">
-            <a:avLst/>
-          </a:prstGeom>
-          <a:effectLst/>
-        </p:spPr>
-      </p:pic>
-    </p:spTree>
-    <p:extLst>
-      <p:ext uri="{BB962C8B-B14F-4D97-AF65-F5344CB8AC3E}">
-        <p14:creationId xmlns:p14="http://schemas.microsoft.com/office/powerpoint/2010/main" val="556825637"/>
-      </p:ext>
-    </p:extLst>
-  </p:cSld>
-  <p:clrMapOvr>
-    <a:masterClrMapping/>
-  </p:clrMapOvr>
-  <mc:AlternateContent xmlns:mc="http://schemas.openxmlformats.org/markup-compatibility/2006">
-    <mc:Choice xmlns:p14="http://schemas.microsoft.com/office/powerpoint/2010/main" Requires="p14">
-      <p:transition spd="med" p14:dur="700">
-        <p:fade/>
-      </p:transition>
-    </mc:Choice>
-    <mc:Fallback>
-      <p:transition spd="med">
-        <p:fade/>
-      </p:transition>
-    </mc:Fallback>
-  </mc:AlternateContent>
-  <p:timing>
-    <p:tnLst>
-      <p:par>
-        <p:cTn id="1" dur="indefinite" restart="never" nodeType="tmRoot"/>
-      </p:par>
-    </p:tnLst>
-  </p:timing>
-</p:sld>
-</file>
-
-<file path=ppt/slides/slide28.xml><?xml version="1.0" encoding="utf-8"?>
-<p:sld xmlns:a="http://schemas.openxmlformats.org/drawingml/2006/main" xmlns:r="http://schemas.openxmlformats.org/officeDocument/2006/relationships" xmlns:p="http://schemas.openxmlformats.org/presentationml/2006/main">
-  <p:cSld>
-    <p:spTree>
-      <p:nvGrpSpPr>
-        <p:cNvPr id="1" name=""/>
-        <p:cNvGrpSpPr/>
-        <p:nvPr/>
-      </p:nvGrpSpPr>
-      <p:grpSpPr>
-        <a:xfrm>
-          <a:off x="0" y="0"/>
-          <a:ext cx="0" cy="0"/>
-          <a:chOff x="0" y="0"/>
-          <a:chExt cx="0" cy="0"/>
-        </a:xfrm>
-      </p:grpSpPr>
-      <p:sp>
-        <p:nvSpPr>
           <p:cNvPr id="29" name="Rectangle 28"/>
           <p:cNvSpPr/>
           <p:nvPr/>
@@ -5915,13 +5728,13 @@
   <p:clrMapOvr>
     <a:masterClrMapping/>
   </p:clrMapOvr>
-  <mc:AlternateContent xmlns:mc="http://schemas.openxmlformats.org/markup-compatibility/2006">
-    <mc:Choice xmlns:p14="http://schemas.microsoft.com/office/powerpoint/2010/main" Requires="p14">
+  <mc:AlternateContent xmlns:mc="http://schemas.openxmlformats.org/markup-compatibility/2006" xmlns:p14="http://schemas.microsoft.com/office/powerpoint/2010/main">
+    <mc:Choice Requires="p14">
       <p:transition spd="med" p14:dur="700">
         <p:fade/>
       </p:transition>
     </mc:Choice>
-    <mc:Fallback>
+    <mc:Fallback xmlns="">
       <p:transition spd="med">
         <p:fade/>
       </p:transition>
@@ -5937,388 +5750,7 @@
 </p:sld>
 </file>
 
-<file path=ppt/slides/slide29.xml><?xml version="1.0" encoding="utf-8"?>
-<p:sld xmlns:a="http://schemas.openxmlformats.org/drawingml/2006/main" xmlns:r="http://schemas.openxmlformats.org/officeDocument/2006/relationships" xmlns:p="http://schemas.openxmlformats.org/presentationml/2006/main">
-  <p:cSld>
-    <p:spTree>
-      <p:nvGrpSpPr>
-        <p:cNvPr id="1" name=""/>
-        <p:cNvGrpSpPr/>
-        <p:nvPr/>
-      </p:nvGrpSpPr>
-      <p:grpSpPr>
-        <a:xfrm>
-          <a:off x="0" y="0"/>
-          <a:ext cx="0" cy="0"/>
-          <a:chOff x="0" y="0"/>
-          <a:chExt cx="0" cy="0"/>
-        </a:xfrm>
-      </p:grpSpPr>
-      <p:sp>
-        <p:nvSpPr>
-          <p:cNvPr id="2" name="Title 1"/>
-          <p:cNvSpPr>
-            <a:spLocks noGrp="1"/>
-          </p:cNvSpPr>
-          <p:nvPr>
-            <p:ph type="title"/>
-          </p:nvPr>
-        </p:nvSpPr>
-        <p:spPr>
-          <a:xfrm>
-            <a:off x="628650" y="268695"/>
-            <a:ext cx="7886700" cy="680223"/>
-          </a:xfrm>
-        </p:spPr>
-        <p:txBody>
-          <a:bodyPr/>
-          <a:lstStyle/>
-          <a:p>
-            <a:pPr algn="ctr"/>
-            <a:r>
-              <a:rPr lang="en-US" dirty="0" smtClean="0"/>
-              <a:t>My world is crumbling</a:t>
-            </a:r>
-            <a:endParaRPr lang="en-US" dirty="0"/>
-          </a:p>
-        </p:txBody>
-      </p:sp>
-      <p:pic>
-        <p:nvPicPr>
-          <p:cNvPr id="3" name="Picture 2"/>
-          <p:cNvPicPr>
-            <a:picLocks noChangeAspect="1"/>
-          </p:cNvPicPr>
-          <p:nvPr/>
-        </p:nvPicPr>
-        <p:blipFill>
-          <a:blip r:embed="rId2" cstate="print">
-            <a:extLst>
-              <a:ext uri="{28A0092B-C50C-407E-A947-70E740481C1C}">
-                <a14:useLocalDpi xmlns:a14="http://schemas.microsoft.com/office/drawing/2010/main" val="0"/>
-              </a:ext>
-            </a:extLst>
-          </a:blip>
-          <a:stretch>
-            <a:fillRect/>
-          </a:stretch>
-        </p:blipFill>
-        <p:spPr>
-          <a:xfrm>
-            <a:off x="1304627" y="1171574"/>
-            <a:ext cx="6534745" cy="5362575"/>
-          </a:xfrm>
-          <a:prstGeom prst="rect">
-            <a:avLst/>
-          </a:prstGeom>
-        </p:spPr>
-      </p:pic>
-    </p:spTree>
-    <p:extLst>
-      <p:ext uri="{BB962C8B-B14F-4D97-AF65-F5344CB8AC3E}">
-        <p14:creationId xmlns:p14="http://schemas.microsoft.com/office/powerpoint/2010/main" val="187035400"/>
-      </p:ext>
-    </p:extLst>
-  </p:cSld>
-  <p:clrMapOvr>
-    <a:masterClrMapping/>
-  </p:clrMapOvr>
-  <mc:AlternateContent xmlns:mc="http://schemas.openxmlformats.org/markup-compatibility/2006">
-    <mc:Choice xmlns:p14="http://schemas.microsoft.com/office/powerpoint/2010/main" Requires="p14">
-      <p:transition spd="med" p14:dur="700">
-        <p:fade/>
-      </p:transition>
-    </mc:Choice>
-    <mc:Fallback>
-      <p:transition spd="med">
-        <p:fade/>
-      </p:transition>
-    </mc:Fallback>
-  </mc:AlternateContent>
-  <p:timing>
-    <p:tnLst>
-      <p:par>
-        <p:cTn id="1" dur="indefinite" restart="never" nodeType="tmRoot"/>
-      </p:par>
-    </p:tnLst>
-  </p:timing>
-</p:sld>
-</file>
-
-<file path=ppt/slides/slide3.xml><?xml version="1.0" encoding="utf-8"?>
-<p:sld xmlns:a="http://schemas.openxmlformats.org/drawingml/2006/main" xmlns:r="http://schemas.openxmlformats.org/officeDocument/2006/relationships" xmlns:p="http://schemas.openxmlformats.org/presentationml/2006/main">
-  <p:cSld>
-    <p:spTree>
-      <p:nvGrpSpPr>
-        <p:cNvPr id="1" name=""/>
-        <p:cNvGrpSpPr/>
-        <p:nvPr/>
-      </p:nvGrpSpPr>
-      <p:grpSpPr>
-        <a:xfrm>
-          <a:off x="0" y="0"/>
-          <a:ext cx="0" cy="0"/>
-          <a:chOff x="0" y="0"/>
-          <a:chExt cx="0" cy="0"/>
-        </a:xfrm>
-      </p:grpSpPr>
-      <p:sp>
-        <p:nvSpPr>
-          <p:cNvPr id="4" name="Title 3"/>
-          <p:cNvSpPr>
-            <a:spLocks noGrp="1"/>
-          </p:cNvSpPr>
-          <p:nvPr>
-            <p:ph type="ctrTitle"/>
-          </p:nvPr>
-        </p:nvSpPr>
-        <p:spPr/>
-        <p:txBody>
-          <a:bodyPr>
-            <a:normAutofit fontScale="90000"/>
-          </a:bodyPr>
-          <a:lstStyle/>
-          <a:p>
-            <a:r>
-              <a:rPr lang="en-US" dirty="0" smtClean="0">
-                <a:latin typeface="Rockwell" panose="02060603020205020403" pitchFamily="18" charset="0"/>
-              </a:rPr>
-              <a:t>Adding F# to Your C# Codebase</a:t>
-            </a:r>
-            <a:r>
-              <a:rPr lang="en-US" dirty="0" smtClean="0">
-                <a:latin typeface="Rockwell" panose="02060603020205020403" pitchFamily="18" charset="0"/>
-              </a:rPr>
-              <a:t/>
-            </a:r>
-            <a:br>
-              <a:rPr lang="en-US" dirty="0" smtClean="0">
-                <a:latin typeface="Rockwell" panose="02060603020205020403" pitchFamily="18" charset="0"/>
-              </a:rPr>
-            </a:br>
-            <a:r>
-              <a:rPr lang="en-US" sz="3600" dirty="0" smtClean="0">
-                <a:latin typeface="Rockwell" panose="02060603020205020403" pitchFamily="18" charset="0"/>
-              </a:rPr>
-              <a:t>What you need to know</a:t>
-            </a:r>
-            <a:endParaRPr lang="en-US" sz="3600" dirty="0">
-              <a:latin typeface="Rockwell" panose="02060603020205020403" pitchFamily="18" charset="0"/>
-            </a:endParaRPr>
-          </a:p>
-        </p:txBody>
-      </p:sp>
-      <p:sp>
-        <p:nvSpPr>
-          <p:cNvPr id="5" name="Subtitle 4"/>
-          <p:cNvSpPr>
-            <a:spLocks noGrp="1"/>
-          </p:cNvSpPr>
-          <p:nvPr>
-            <p:ph type="subTitle" idx="1"/>
-          </p:nvPr>
-        </p:nvSpPr>
-        <p:spPr>
-          <a:xfrm>
-            <a:off x="2286000" y="3733800"/>
-            <a:ext cx="6400800" cy="2209800"/>
-          </a:xfrm>
-        </p:spPr>
-        <p:txBody>
-          <a:bodyPr>
-            <a:normAutofit fontScale="77500" lnSpcReduction="20000"/>
-          </a:bodyPr>
-          <a:lstStyle/>
-          <a:p>
-            <a:r>
-              <a:rPr lang="en-US" sz="4600" dirty="0" smtClean="0"/>
-              <a:t>Jay Hill</a:t>
-            </a:r>
-          </a:p>
-          <a:p>
-            <a:r>
-              <a:rPr lang="en-US" dirty="0" smtClean="0"/>
-              <a:t/>
-            </a:r>
-            <a:br>
-              <a:rPr lang="en-US" dirty="0" smtClean="0"/>
-            </a:br>
-            <a:r>
-              <a:rPr lang="en-US" dirty="0" smtClean="0"/>
-              <a:t>jayhill@jayhill.net</a:t>
-            </a:r>
-          </a:p>
-          <a:p>
-            <a:r>
-              <a:rPr lang="en-US" dirty="0" smtClean="0"/>
-              <a:t>@jittery</a:t>
-            </a:r>
-          </a:p>
-          <a:p>
-            <a:r>
-              <a:rPr lang="en-US" dirty="0" smtClean="0"/>
-              <a:t>speakerrate.com/</a:t>
-            </a:r>
-            <a:r>
-              <a:rPr lang="en-US" dirty="0" err="1" smtClean="0"/>
-              <a:t>jayhill</a:t>
-            </a:r>
-            <a:endParaRPr lang="en-US" dirty="0" smtClean="0"/>
-          </a:p>
-          <a:p>
-            <a:r>
-              <a:rPr lang="en-US" dirty="0" smtClean="0"/>
-              <a:t>github.com/</a:t>
-            </a:r>
-            <a:r>
-              <a:rPr lang="en-US" dirty="0" err="1" smtClean="0"/>
-              <a:t>jayhill</a:t>
-            </a:r>
-            <a:endParaRPr lang="en-US" dirty="0"/>
-          </a:p>
-        </p:txBody>
-      </p:sp>
-    </p:spTree>
-    <p:extLst>
-      <p:ext uri="{BB962C8B-B14F-4D97-AF65-F5344CB8AC3E}">
-        <p14:creationId xmlns:p14="http://schemas.microsoft.com/office/powerpoint/2010/main" val="1804377687"/>
-      </p:ext>
-    </p:extLst>
-  </p:cSld>
-  <p:clrMapOvr>
-    <a:masterClrMapping/>
-  </p:clrMapOvr>
-  <mc:AlternateContent xmlns:mc="http://schemas.openxmlformats.org/markup-compatibility/2006">
-    <mc:Choice xmlns:p14="http://schemas.microsoft.com/office/powerpoint/2010/main" Requires="p14">
-      <p:transition spd="slow" p14:dur="1500" advTm="20000">
-        <p:fade/>
-      </p:transition>
-    </mc:Choice>
-    <mc:Fallback>
-      <p:transition spd="slow" advTm="20000">
-        <p:fade/>
-      </p:transition>
-    </mc:Fallback>
-  </mc:AlternateContent>
-  <p:timing>
-    <p:tnLst>
-      <p:par>
-        <p:cTn id="1" dur="indefinite" restart="never" nodeType="tmRoot"/>
-      </p:par>
-    </p:tnLst>
-  </p:timing>
-</p:sld>
-</file>
-
-<file path=ppt/slides/slide30.xml><?xml version="1.0" encoding="utf-8"?>
-<p:sld xmlns:a="http://schemas.openxmlformats.org/drawingml/2006/main" xmlns:r="http://schemas.openxmlformats.org/officeDocument/2006/relationships" xmlns:p="http://schemas.openxmlformats.org/presentationml/2006/main">
-  <p:cSld>
-    <p:spTree>
-      <p:nvGrpSpPr>
-        <p:cNvPr id="1" name=""/>
-        <p:cNvGrpSpPr/>
-        <p:nvPr/>
-      </p:nvGrpSpPr>
-      <p:grpSpPr>
-        <a:xfrm>
-          <a:off x="0" y="0"/>
-          <a:ext cx="0" cy="0"/>
-          <a:chOff x="0" y="0"/>
-          <a:chExt cx="0" cy="0"/>
-        </a:xfrm>
-      </p:grpSpPr>
-      <p:sp>
-        <p:nvSpPr>
-          <p:cNvPr id="2" name="Title 1"/>
-          <p:cNvSpPr>
-            <a:spLocks noGrp="1"/>
-          </p:cNvSpPr>
-          <p:nvPr>
-            <p:ph type="title"/>
-          </p:nvPr>
-        </p:nvSpPr>
-        <p:spPr>
-          <a:xfrm>
-            <a:off x="628650" y="268695"/>
-            <a:ext cx="7886700" cy="680223"/>
-          </a:xfrm>
-        </p:spPr>
-        <p:txBody>
-          <a:bodyPr/>
-          <a:lstStyle/>
-          <a:p>
-            <a:pPr algn="ctr"/>
-            <a:r>
-              <a:rPr lang="en-US" dirty="0" smtClean="0"/>
-              <a:t>Adapt and carry on</a:t>
-            </a:r>
-            <a:endParaRPr lang="en-US" dirty="0"/>
-          </a:p>
-        </p:txBody>
-      </p:sp>
-      <p:pic>
-        <p:nvPicPr>
-          <p:cNvPr id="3" name="Picture 2"/>
-          <p:cNvPicPr>
-            <a:picLocks noChangeAspect="1"/>
-          </p:cNvPicPr>
-          <p:nvPr/>
-        </p:nvPicPr>
-        <p:blipFill>
-          <a:blip r:embed="rId2" cstate="print">
-            <a:extLst>
-              <a:ext uri="{28A0092B-C50C-407E-A947-70E740481C1C}">
-                <a14:useLocalDpi xmlns:a14="http://schemas.microsoft.com/office/drawing/2010/main" val="0"/>
-              </a:ext>
-            </a:extLst>
-          </a:blip>
-          <a:stretch>
-            <a:fillRect/>
-          </a:stretch>
-        </p:blipFill>
-        <p:spPr>
-          <a:xfrm>
-            <a:off x="1304627" y="1171574"/>
-            <a:ext cx="6534745" cy="5362575"/>
-          </a:xfrm>
-          <a:prstGeom prst="rect">
-            <a:avLst/>
-          </a:prstGeom>
-        </p:spPr>
-      </p:pic>
-    </p:spTree>
-    <p:extLst>
-      <p:ext uri="{BB962C8B-B14F-4D97-AF65-F5344CB8AC3E}">
-        <p14:creationId xmlns:p14="http://schemas.microsoft.com/office/powerpoint/2010/main" val="4080351268"/>
-      </p:ext>
-    </p:extLst>
-  </p:cSld>
-  <p:clrMapOvr>
-    <a:masterClrMapping/>
-  </p:clrMapOvr>
-  <mc:AlternateContent xmlns:mc="http://schemas.openxmlformats.org/markup-compatibility/2006">
-    <mc:Choice xmlns:p14="http://schemas.microsoft.com/office/powerpoint/2010/main" Requires="p14">
-      <p:transition spd="med" p14:dur="700">
-        <p:fade/>
-      </p:transition>
-    </mc:Choice>
-    <mc:Fallback>
-      <p:transition spd="med">
-        <p:fade/>
-      </p:transition>
-    </mc:Fallback>
-  </mc:AlternateContent>
-  <p:timing>
-    <p:tnLst>
-      <p:par>
-        <p:cTn id="1" dur="indefinite" restart="never" nodeType="tmRoot"/>
-      </p:par>
-    </p:tnLst>
-  </p:timing>
-</p:sld>
-</file>
-
-<file path=ppt/slides/slide31.xml><?xml version="1.0" encoding="utf-8"?>
+<file path=ppt/slides/slide27.xml><?xml version="1.0" encoding="utf-8"?>
 <p:sld xmlns:a="http://schemas.openxmlformats.org/drawingml/2006/main" xmlns:r="http://schemas.openxmlformats.org/officeDocument/2006/relationships" xmlns:p="http://schemas.openxmlformats.org/presentationml/2006/main">
   <p:cSld>
     <p:spTree>
@@ -6556,13 +5988,13 @@
   <p:clrMapOvr>
     <a:masterClrMapping/>
   </p:clrMapOvr>
-  <mc:AlternateContent xmlns:mc="http://schemas.openxmlformats.org/markup-compatibility/2006">
-    <mc:Choice xmlns:p14="http://schemas.microsoft.com/office/powerpoint/2010/main" Requires="p14">
+  <mc:AlternateContent xmlns:mc="http://schemas.openxmlformats.org/markup-compatibility/2006" xmlns:p14="http://schemas.microsoft.com/office/powerpoint/2010/main">
+    <mc:Choice Requires="p14">
       <p:transition spd="med" p14:dur="700">
         <p:fade/>
       </p:transition>
     </mc:Choice>
-    <mc:Fallback>
+    <mc:Fallback xmlns="">
       <p:transition spd="med">
         <p:fade/>
       </p:transition>
@@ -6578,7 +6010,7 @@
 </p:sld>
 </file>
 
-<file path=ppt/slides/slide32.xml><?xml version="1.0" encoding="utf-8"?>
+<file path=ppt/slides/slide28.xml><?xml version="1.0" encoding="utf-8"?>
 <p:sld xmlns:a="http://schemas.openxmlformats.org/drawingml/2006/main" xmlns:r="http://schemas.openxmlformats.org/officeDocument/2006/relationships" xmlns:p="http://schemas.openxmlformats.org/presentationml/2006/main">
   <p:cSld>
     <p:spTree>
@@ -6862,13 +6294,13 @@
   <p:clrMapOvr>
     <a:masterClrMapping/>
   </p:clrMapOvr>
-  <mc:AlternateContent xmlns:mc="http://schemas.openxmlformats.org/markup-compatibility/2006">
-    <mc:Choice xmlns:p14="http://schemas.microsoft.com/office/powerpoint/2010/main" Requires="p14">
+  <mc:AlternateContent xmlns:mc="http://schemas.openxmlformats.org/markup-compatibility/2006" xmlns:p14="http://schemas.microsoft.com/office/powerpoint/2010/main">
+    <mc:Choice Requires="p14">
       <p:transition spd="med" p14:dur="700">
         <p:fade/>
       </p:transition>
     </mc:Choice>
-    <mc:Fallback>
+    <mc:Fallback xmlns="">
       <p:transition spd="med">
         <p:fade/>
       </p:transition>
@@ -6998,7 +6430,7 @@
 </p:sld>
 </file>
 
-<file path=ppt/slides/slide33.xml><?xml version="1.0" encoding="utf-8"?>
+<file path=ppt/slides/slide29.xml><?xml version="1.0" encoding="utf-8"?>
 <p:sld xmlns:a="http://schemas.openxmlformats.org/drawingml/2006/main" xmlns:r="http://schemas.openxmlformats.org/officeDocument/2006/relationships" xmlns:p="http://schemas.openxmlformats.org/presentationml/2006/main">
   <p:cSld>
     <p:spTree>
@@ -7279,13 +6711,13 @@
   <p:clrMapOvr>
     <a:masterClrMapping/>
   </p:clrMapOvr>
-  <mc:AlternateContent xmlns:mc="http://schemas.openxmlformats.org/markup-compatibility/2006">
-    <mc:Choice xmlns:p14="http://schemas.microsoft.com/office/powerpoint/2010/main" Requires="p14">
+  <mc:AlternateContent xmlns:mc="http://schemas.openxmlformats.org/markup-compatibility/2006" xmlns:p14="http://schemas.microsoft.com/office/powerpoint/2010/main">
+    <mc:Choice Requires="p14">
       <p:transition spd="med" p14:dur="700">
         <p:fade/>
       </p:transition>
     </mc:Choice>
-    <mc:Fallback>
+    <mc:Fallback xmlns="">
       <p:transition spd="med">
         <p:fade/>
       </p:transition>
@@ -7488,7 +6920,166 @@
 </p:sld>
 </file>
 
-<file path=ppt/slides/slide34.xml><?xml version="1.0" encoding="utf-8"?>
+<file path=ppt/slides/slide3.xml><?xml version="1.0" encoding="utf-8"?>
+<p:sld xmlns:a="http://schemas.openxmlformats.org/drawingml/2006/main" xmlns:r="http://schemas.openxmlformats.org/officeDocument/2006/relationships" xmlns:p="http://schemas.openxmlformats.org/presentationml/2006/main">
+  <p:cSld>
+    <p:spTree>
+      <p:nvGrpSpPr>
+        <p:cNvPr id="1" name=""/>
+        <p:cNvGrpSpPr/>
+        <p:nvPr/>
+      </p:nvGrpSpPr>
+      <p:grpSpPr>
+        <a:xfrm>
+          <a:off x="0" y="0"/>
+          <a:ext cx="0" cy="0"/>
+          <a:chOff x="0" y="0"/>
+          <a:chExt cx="0" cy="0"/>
+        </a:xfrm>
+      </p:grpSpPr>
+      <p:sp>
+        <p:nvSpPr>
+          <p:cNvPr id="4" name="Title 3"/>
+          <p:cNvSpPr>
+            <a:spLocks noGrp="1"/>
+          </p:cNvSpPr>
+          <p:nvPr>
+            <p:ph type="ctrTitle"/>
+          </p:nvPr>
+        </p:nvSpPr>
+        <p:spPr/>
+        <p:txBody>
+          <a:bodyPr>
+            <a:normAutofit fontScale="90000"/>
+          </a:bodyPr>
+          <a:lstStyle/>
+          <a:p>
+            <a:r>
+              <a:rPr lang="en-US" dirty="0" smtClean="0">
+                <a:latin typeface="Rockwell" panose="02060603020205020403" pitchFamily="18" charset="0"/>
+              </a:rPr>
+              <a:t>Adding F# to Your C# Codebase</a:t>
+            </a:r>
+            <a:br>
+              <a:rPr lang="en-US" dirty="0" smtClean="0">
+                <a:latin typeface="Rockwell" panose="02060603020205020403" pitchFamily="18" charset="0"/>
+              </a:rPr>
+            </a:br>
+            <a:r>
+              <a:rPr lang="en-US" sz="3600" dirty="0" smtClean="0">
+                <a:latin typeface="Rockwell" panose="02060603020205020403" pitchFamily="18" charset="0"/>
+              </a:rPr>
+              <a:t>What you need to know</a:t>
+            </a:r>
+            <a:endParaRPr lang="en-US" sz="3600" dirty="0">
+              <a:latin typeface="Rockwell" panose="02060603020205020403" pitchFamily="18" charset="0"/>
+            </a:endParaRPr>
+          </a:p>
+        </p:txBody>
+      </p:sp>
+      <p:sp>
+        <p:nvSpPr>
+          <p:cNvPr id="5" name="Subtitle 4"/>
+          <p:cNvSpPr>
+            <a:spLocks noGrp="1"/>
+          </p:cNvSpPr>
+          <p:nvPr>
+            <p:ph type="subTitle" idx="1"/>
+          </p:nvPr>
+        </p:nvSpPr>
+        <p:spPr>
+          <a:xfrm>
+            <a:off x="2286000" y="3733800"/>
+            <a:ext cx="6400800" cy="2209800"/>
+          </a:xfrm>
+        </p:spPr>
+        <p:txBody>
+          <a:bodyPr>
+            <a:normAutofit fontScale="77500" lnSpcReduction="20000"/>
+          </a:bodyPr>
+          <a:lstStyle/>
+          <a:p>
+            <a:r>
+              <a:rPr lang="en-US" sz="4600" dirty="0" smtClean="0"/>
+              <a:t>Jay Hill</a:t>
+            </a:r>
+          </a:p>
+          <a:p>
+            <a:r>
+              <a:rPr lang="en-US" dirty="0" smtClean="0"/>
+              <a:t/>
+            </a:r>
+            <a:br>
+              <a:rPr lang="en-US" dirty="0" smtClean="0"/>
+            </a:br>
+            <a:r>
+              <a:rPr lang="en-US" dirty="0" smtClean="0"/>
+              <a:t>jayhill@jayhill.net</a:t>
+            </a:r>
+          </a:p>
+          <a:p>
+            <a:r>
+              <a:rPr lang="en-US" dirty="0" smtClean="0"/>
+              <a:t>@jittery</a:t>
+            </a:r>
+          </a:p>
+          <a:p>
+            <a:r>
+              <a:rPr lang="en-US" dirty="0" smtClean="0"/>
+              <a:t>speakerrate.com/</a:t>
+            </a:r>
+            <a:r>
+              <a:rPr lang="en-US" dirty="0" err="1" smtClean="0"/>
+              <a:t>jayhill</a:t>
+            </a:r>
+            <a:endParaRPr lang="en-US" dirty="0" smtClean="0"/>
+          </a:p>
+          <a:p>
+            <a:r>
+              <a:rPr lang="en-US" dirty="0" smtClean="0"/>
+              <a:t>github.com/</a:t>
+            </a:r>
+            <a:r>
+              <a:rPr lang="en-US" dirty="0" err="1" smtClean="0"/>
+              <a:t>jayhill</a:t>
+            </a:r>
+            <a:endParaRPr lang="en-US" dirty="0"/>
+          </a:p>
+        </p:txBody>
+      </p:sp>
+    </p:spTree>
+    <p:extLst>
+      <p:ext uri="{BB962C8B-B14F-4D97-AF65-F5344CB8AC3E}">
+        <p14:creationId xmlns:p14="http://schemas.microsoft.com/office/powerpoint/2010/main" val="1804377687"/>
+      </p:ext>
+    </p:extLst>
+  </p:cSld>
+  <p:clrMapOvr>
+    <a:masterClrMapping/>
+  </p:clrMapOvr>
+  <mc:AlternateContent xmlns:mc="http://schemas.openxmlformats.org/markup-compatibility/2006" xmlns:p14="http://schemas.microsoft.com/office/powerpoint/2010/main">
+    <mc:Choice Requires="p14">
+      <p:transition spd="slow" p14:dur="1500" advTm="20000">
+        <p:fade/>
+      </p:transition>
+    </mc:Choice>
+    <mc:Fallback xmlns="">
+      <p:transition spd="slow" advTm="20000">
+        <p:fade/>
+      </p:transition>
+    </mc:Fallback>
+  </mc:AlternateContent>
+  <p:timing>
+    <p:tnLst>
+      <p:par>
+        <p:cTn id="1" dur="indefinite" restart="never" nodeType="tmRoot"/>
+      </p:par>
+    </p:tnLst>
+  </p:timing>
+</p:sld>
+</file>
+
+<file path=ppt/slides/slide30.xml><?xml version="1.0" encoding="utf-8"?>
 <p:sld xmlns:a="http://schemas.openxmlformats.org/drawingml/2006/main" xmlns:r="http://schemas.openxmlformats.org/officeDocument/2006/relationships" xmlns:p="http://schemas.openxmlformats.org/presentationml/2006/main">
   <p:cSld>
     <p:spTree>
@@ -7636,13 +7227,7 @@
               <a:rPr lang="en-US" dirty="0" err="1" smtClean="0">
                 <a:latin typeface="Envy Code R" panose="02000509000000020004" pitchFamily="49" charset="0"/>
               </a:rPr>
-              <a:t>FSharpMa</a:t>
-            </a:r>
-            <a:r>
-              <a:rPr lang="en-US" dirty="0" err="1" smtClean="0">
-                <a:latin typeface="Envy Code R" panose="02000509000000020004" pitchFamily="49" charset="0"/>
-              </a:rPr>
-              <a:t>p</a:t>
+              <a:t>FSharpMap</a:t>
             </a:r>
             <a:r>
               <a:rPr lang="en-US" dirty="0" smtClean="0">
@@ -7863,13 +7448,13 @@
   <p:clrMapOvr>
     <a:masterClrMapping/>
   </p:clrMapOvr>
-  <mc:AlternateContent xmlns:mc="http://schemas.openxmlformats.org/markup-compatibility/2006">
-    <mc:Choice xmlns:p14="http://schemas.microsoft.com/office/powerpoint/2010/main" Requires="p14">
+  <mc:AlternateContent xmlns:mc="http://schemas.openxmlformats.org/markup-compatibility/2006" xmlns:p14="http://schemas.microsoft.com/office/powerpoint/2010/main">
+    <mc:Choice Requires="p14">
       <p:transition spd="med" p14:dur="700">
         <p:fade/>
       </p:transition>
     </mc:Choice>
-    <mc:Fallback>
+    <mc:Fallback xmlns="">
       <p:transition spd="med">
         <p:fade/>
       </p:transition>
@@ -7885,7 +7470,7 @@
 </p:sld>
 </file>
 
-<file path=ppt/slides/slide35.xml><?xml version="1.0" encoding="utf-8"?>
+<file path=ppt/slides/slide31.xml><?xml version="1.0" encoding="utf-8"?>
 <p:sld xmlns:a="http://schemas.openxmlformats.org/drawingml/2006/main" xmlns:r="http://schemas.openxmlformats.org/officeDocument/2006/relationships" xmlns:p="http://schemas.openxmlformats.org/presentationml/2006/main">
   <p:cSld>
     <p:spTree>
@@ -8169,13 +7754,13 @@
   <p:clrMapOvr>
     <a:masterClrMapping/>
   </p:clrMapOvr>
-  <mc:AlternateContent xmlns:mc="http://schemas.openxmlformats.org/markup-compatibility/2006">
-    <mc:Choice xmlns:p14="http://schemas.microsoft.com/office/powerpoint/2010/main" Requires="p14">
+  <mc:AlternateContent xmlns:mc="http://schemas.openxmlformats.org/markup-compatibility/2006" xmlns:p14="http://schemas.microsoft.com/office/powerpoint/2010/main">
+    <mc:Choice Requires="p14">
       <p:transition spd="med" p14:dur="700">
         <p:fade/>
       </p:transition>
     </mc:Choice>
-    <mc:Fallback>
+    <mc:Fallback xmlns="">
       <p:transition spd="med">
         <p:fade/>
       </p:transition>
@@ -8191,7 +7776,7 @@
 </p:sld>
 </file>
 
-<file path=ppt/slides/slide36.xml><?xml version="1.0" encoding="utf-8"?>
+<file path=ppt/slides/slide32.xml><?xml version="1.0" encoding="utf-8"?>
 <p:sld xmlns:a="http://schemas.openxmlformats.org/drawingml/2006/main" xmlns:r="http://schemas.openxmlformats.org/officeDocument/2006/relationships" xmlns:p="http://schemas.openxmlformats.org/presentationml/2006/main">
   <p:cSld>
     <p:spTree>
@@ -8364,13 +7949,13 @@
   <p:clrMapOvr>
     <a:masterClrMapping/>
   </p:clrMapOvr>
-  <mc:AlternateContent xmlns:mc="http://schemas.openxmlformats.org/markup-compatibility/2006">
-    <mc:Choice xmlns:p14="http://schemas.microsoft.com/office/powerpoint/2010/main" Requires="p14">
+  <mc:AlternateContent xmlns:mc="http://schemas.openxmlformats.org/markup-compatibility/2006" xmlns:p14="http://schemas.microsoft.com/office/powerpoint/2010/main">
+    <mc:Choice Requires="p14">
       <p:transition spd="med" p14:dur="700">
         <p:fade/>
       </p:transition>
     </mc:Choice>
-    <mc:Fallback>
+    <mc:Fallback xmlns="">
       <p:transition spd="med">
         <p:fade/>
       </p:transition>
@@ -8426,12 +8011,6 @@
               </a:rPr>
               <a:t>Adding F# to Your C# Codebase</a:t>
             </a:r>
-            <a:r>
-              <a:rPr lang="en-US" dirty="0" smtClean="0">
-                <a:latin typeface="Rockwell" panose="02060603020205020403" pitchFamily="18" charset="0"/>
-              </a:rPr>
-              <a:t/>
-            </a:r>
             <a:br>
               <a:rPr lang="en-US" dirty="0" smtClean="0">
                 <a:latin typeface="Rockwell" panose="02060603020205020403" pitchFamily="18" charset="0"/>
@@ -8529,13 +8108,13 @@
   <p:clrMapOvr>
     <a:masterClrMapping/>
   </p:clrMapOvr>
-  <mc:AlternateContent xmlns:mc="http://schemas.openxmlformats.org/markup-compatibility/2006">
-    <mc:Choice xmlns:p14="http://schemas.microsoft.com/office/powerpoint/2010/main" Requires="p14">
+  <mc:AlternateContent xmlns:mc="http://schemas.openxmlformats.org/markup-compatibility/2006" xmlns:p14="http://schemas.microsoft.com/office/powerpoint/2010/main">
+    <mc:Choice Requires="p14">
       <p:transition spd="slow" p14:dur="1500">
         <p:fade/>
       </p:transition>
     </mc:Choice>
-    <mc:Fallback>
+    <mc:Fallback xmlns="">
       <p:transition spd="slow">
         <p:fade/>
       </p:transition>
@@ -8616,13 +8195,13 @@
   <p:clrMapOvr>
     <a:masterClrMapping/>
   </p:clrMapOvr>
-  <mc:AlternateContent xmlns:mc="http://schemas.openxmlformats.org/markup-compatibility/2006">
-    <mc:Choice xmlns:p14="http://schemas.microsoft.com/office/powerpoint/2010/main" Requires="p14">
+  <mc:AlternateContent xmlns:mc="http://schemas.openxmlformats.org/markup-compatibility/2006" xmlns:p14="http://schemas.microsoft.com/office/powerpoint/2010/main">
+    <mc:Choice Requires="p14">
       <p:transition spd="med" p14:dur="700">
         <p:fade/>
       </p:transition>
     </mc:Choice>
-    <mc:Fallback>
+    <mc:Fallback xmlns="">
       <p:transition spd="med">
         <p:fade/>
       </p:transition>
@@ -8828,13 +8407,13 @@
   <p:clrMapOvr>
     <a:masterClrMapping/>
   </p:clrMapOvr>
-  <mc:AlternateContent xmlns:mc="http://schemas.openxmlformats.org/markup-compatibility/2006">
-    <mc:Choice xmlns:p14="http://schemas.microsoft.com/office/powerpoint/2010/main" Requires="p14">
+  <mc:AlternateContent xmlns:mc="http://schemas.openxmlformats.org/markup-compatibility/2006" xmlns:p14="http://schemas.microsoft.com/office/powerpoint/2010/main">
+    <mc:Choice Requires="p14">
       <p:transition spd="med" p14:dur="700">
         <p:fade/>
       </p:transition>
     </mc:Choice>
-    <mc:Fallback>
+    <mc:Fallback xmlns="">
       <p:transition spd="med">
         <p:fade/>
       </p:transition>
@@ -9046,13 +8625,13 @@
   <p:clrMapOvr>
     <a:masterClrMapping/>
   </p:clrMapOvr>
-  <mc:AlternateContent xmlns:mc="http://schemas.openxmlformats.org/markup-compatibility/2006">
-    <mc:Choice xmlns:p14="http://schemas.microsoft.com/office/powerpoint/2010/main" Requires="p14">
+  <mc:AlternateContent xmlns:mc="http://schemas.openxmlformats.org/markup-compatibility/2006" xmlns:p14="http://schemas.microsoft.com/office/powerpoint/2010/main">
+    <mc:Choice Requires="p14">
       <p:transition spd="med" p14:dur="700">
         <p:fade/>
       </p:transition>
     </mc:Choice>
-    <mc:Fallback>
+    <mc:Fallback xmlns="">
       <p:transition spd="med">
         <p:fade/>
       </p:transition>
@@ -9186,29 +8765,8 @@
                 </a:solidFill>
                 <a:latin typeface="Rockwell" panose="02060603020205020403" pitchFamily="18" charset="0"/>
               </a:rPr>
-              <a:t>(it isn’t</a:t>
-            </a:r>
-            <a:r>
-              <a:rPr lang="en-US" sz="2600" i="1" dirty="0" smtClean="0">
-                <a:solidFill>
-                  <a:schemeClr val="bg1">
-                    <a:lumMod val="50000"/>
-                    <a:lumOff val="50000"/>
-                  </a:schemeClr>
-                </a:solidFill>
-                <a:latin typeface="Rockwell" panose="02060603020205020403" pitchFamily="18" charset="0"/>
-              </a:rPr>
-              <a:t>)</a:t>
-            </a:r>
-            <a:endParaRPr lang="en-US" sz="2600" i="1" dirty="0" smtClean="0">
-              <a:solidFill>
-                <a:schemeClr val="bg1">
-                  <a:lumMod val="50000"/>
-                  <a:lumOff val="50000"/>
-                </a:schemeClr>
-              </a:solidFill>
-              <a:latin typeface="Rockwell" panose="02060603020205020403" pitchFamily="18" charset="0"/>
-            </a:endParaRPr>
+              <a:t>(it isn’t)</a:t>
+            </a:r>
           </a:p>
           <a:p>
             <a:pPr marL="285750" indent="-285750">
@@ -9273,13 +8831,7 @@
               <a:rPr lang="en-US" sz="2600" dirty="0" smtClean="0">
                 <a:latin typeface="Rockwell" panose="02060603020205020403" pitchFamily="18" charset="0"/>
               </a:rPr>
-              <a:t>You </a:t>
-            </a:r>
-            <a:r>
-              <a:rPr lang="en-US" sz="2600" dirty="0" smtClean="0">
-                <a:latin typeface="Rockwell" panose="02060603020205020403" pitchFamily="18" charset="0"/>
-              </a:rPr>
-              <a:t>know or might learn some F#</a:t>
+              <a:t>You know or might learn some F#</a:t>
             </a:r>
           </a:p>
           <a:p>
@@ -9360,13 +8912,13 @@
   <p:clrMapOvr>
     <a:masterClrMapping/>
   </p:clrMapOvr>
-  <mc:AlternateContent xmlns:mc="http://schemas.openxmlformats.org/markup-compatibility/2006">
-    <mc:Choice xmlns:p14="http://schemas.microsoft.com/office/powerpoint/2010/main" Requires="p14">
+  <mc:AlternateContent xmlns:mc="http://schemas.openxmlformats.org/markup-compatibility/2006" xmlns:p14="http://schemas.microsoft.com/office/powerpoint/2010/main">
+    <mc:Choice Requires="p14">
       <p:transition spd="med" p14:dur="700">
         <p:fade/>
       </p:transition>
     </mc:Choice>
-    <mc:Fallback>
+    <mc:Fallback xmlns="">
       <p:transition spd="med">
         <p:fade/>
       </p:transition>
@@ -9594,13 +9146,13 @@
   <p:clrMapOvr>
     <a:masterClrMapping/>
   </p:clrMapOvr>
-  <mc:AlternateContent xmlns:mc="http://schemas.openxmlformats.org/markup-compatibility/2006">
-    <mc:Choice xmlns:p14="http://schemas.microsoft.com/office/powerpoint/2010/main" Requires="p14">
+  <mc:AlternateContent xmlns:mc="http://schemas.openxmlformats.org/markup-compatibility/2006" xmlns:p14="http://schemas.microsoft.com/office/powerpoint/2010/main">
+    <mc:Choice Requires="p14">
       <p:transition spd="med" p14:dur="700">
         <p:fade/>
       </p:transition>
     </mc:Choice>
-    <mc:Fallback>
+    <mc:Fallback xmlns="">
       <p:transition spd="med">
         <p:fade/>
       </p:transition>
